--- a/presentation.pptx
+++ b/presentation.pptx
@@ -128,7 +128,7 @@
 <file path=ppt/revisionInfo.xml><?xml version="1.0" encoding="utf-8"?>
 <p1510:revInfo xmlns:a="http://schemas.openxmlformats.org/drawingml/2006/main" xmlns:r="http://schemas.openxmlformats.org/officeDocument/2006/relationships" xmlns:p1510="http://schemas.microsoft.com/office/powerpoint/2015/10/main">
   <p1510:revLst>
-    <p1510:client id="{A2530CF2-B67D-4656-99CA-A47DD1240793}" v="2560" dt="2022-04-19T21:33:53.767"/>
+    <p1510:client id="{A2530CF2-B67D-4656-99CA-A47DD1240793}" v="2574" dt="2022-04-19T23:24:00.265"/>
   </p1510:revLst>
 </p1510:revInfo>
 </file>
@@ -6508,7 +6508,7 @@
           <a:p>
             <a:fld id="{D318A437-91FB-4FB3-8FC2-9F674E6A454F}" type="datetimeFigureOut">
               <a:rPr lang="en-US" smtClean="0"/>
-              <a:t>4/18/2022</a:t>
+              <a:t>4/19/2022</a:t>
             </a:fld>
             <a:endParaRPr lang="en-US" dirty="0"/>
           </a:p>
@@ -6961,7 +6961,7 @@
           <a:p>
             <a:fld id="{19745A9D-2034-43A0-8CC4-56A06FE630E6}" type="datetime1">
               <a:rPr lang="en-US" smtClean="0"/>
-              <a:t>4/18/2022</a:t>
+              <a:t>4/19/2022</a:t>
             </a:fld>
             <a:endParaRPr lang="en-US" dirty="0"/>
           </a:p>
@@ -7237,7 +7237,7 @@
           <a:p>
             <a:fld id="{EF20994C-E75A-463D-B1FB-9A4B00C17887}" type="datetime1">
               <a:rPr lang="en-US" smtClean="0"/>
-              <a:t>4/18/2022</a:t>
+              <a:t>4/19/2022</a:t>
             </a:fld>
             <a:endParaRPr lang="en-US" dirty="0"/>
           </a:p>
@@ -7433,7 +7433,7 @@
           <a:p>
             <a:fld id="{EF20994C-E75A-463D-B1FB-9A4B00C17887}" type="datetime1">
               <a:rPr lang="en-US" smtClean="0"/>
-              <a:t>4/18/2022</a:t>
+              <a:t>4/19/2022</a:t>
             </a:fld>
             <a:endParaRPr lang="en-US" dirty="0"/>
           </a:p>
@@ -7708,7 +7708,7 @@
           <a:p>
             <a:fld id="{EF20994C-E75A-463D-B1FB-9A4B00C17887}" type="datetime1">
               <a:rPr lang="en-US" smtClean="0"/>
-              <a:t>4/18/2022</a:t>
+              <a:t>4/19/2022</a:t>
             </a:fld>
             <a:endParaRPr lang="en-US" dirty="0"/>
           </a:p>
@@ -8051,7 +8051,7 @@
           <a:p>
             <a:fld id="{EF20994C-E75A-463D-B1FB-9A4B00C17887}" type="datetime1">
               <a:rPr lang="en-US" smtClean="0"/>
-              <a:t>4/18/2022</a:t>
+              <a:t>4/19/2022</a:t>
             </a:fld>
             <a:endParaRPr lang="en-US" dirty="0"/>
           </a:p>
@@ -8676,7 +8676,7 @@
           <a:p>
             <a:fld id="{EF20994C-E75A-463D-B1FB-9A4B00C17887}" type="datetime1">
               <a:rPr lang="en-US" smtClean="0"/>
-              <a:t>4/18/2022</a:t>
+              <a:t>4/19/2022</a:t>
             </a:fld>
             <a:endParaRPr lang="en-US" dirty="0"/>
           </a:p>
@@ -9538,7 +9538,7 @@
           <a:p>
             <a:fld id="{EF20994C-E75A-463D-B1FB-9A4B00C17887}" type="datetime1">
               <a:rPr lang="en-US" smtClean="0"/>
-              <a:t>4/18/2022</a:t>
+              <a:t>4/19/2022</a:t>
             </a:fld>
             <a:endParaRPr lang="en-US" dirty="0"/>
           </a:p>
@@ -9710,7 +9710,7 @@
           <a:p>
             <a:fld id="{EF20994C-E75A-463D-B1FB-9A4B00C17887}" type="datetime1">
               <a:rPr lang="en-US" smtClean="0"/>
-              <a:t>4/18/2022</a:t>
+              <a:t>4/19/2022</a:t>
             </a:fld>
             <a:endParaRPr lang="en-US" dirty="0"/>
           </a:p>
@@ -9892,7 +9892,7 @@
           <a:p>
             <a:fld id="{EF20994C-E75A-463D-B1FB-9A4B00C17887}" type="datetime1">
               <a:rPr lang="en-US" smtClean="0"/>
-              <a:t>4/18/2022</a:t>
+              <a:t>4/19/2022</a:t>
             </a:fld>
             <a:endParaRPr lang="en-US" dirty="0"/>
           </a:p>
@@ -10064,7 +10064,7 @@
           <a:p>
             <a:fld id="{EF20994C-E75A-463D-B1FB-9A4B00C17887}" type="datetime1">
               <a:rPr lang="en-US" smtClean="0"/>
-              <a:t>4/18/2022</a:t>
+              <a:t>4/19/2022</a:t>
             </a:fld>
             <a:endParaRPr lang="en-US" dirty="0"/>
           </a:p>
@@ -10313,7 +10313,7 @@
           <a:p>
             <a:fld id="{68A8AF52-A35B-49D6-9AAE-59CF99BF4750}" type="datetime1">
               <a:rPr lang="en-US" smtClean="0"/>
-              <a:t>4/18/2022</a:t>
+              <a:t>4/19/2022</a:t>
             </a:fld>
             <a:endParaRPr lang="en-US" dirty="0"/>
           </a:p>
@@ -10606,7 +10606,7 @@
           <a:p>
             <a:fld id="{EF20994C-E75A-463D-B1FB-9A4B00C17887}" type="datetime1">
               <a:rPr lang="en-US" smtClean="0"/>
-              <a:t>4/18/2022</a:t>
+              <a:t>4/19/2022</a:t>
             </a:fld>
             <a:endParaRPr lang="en-US" dirty="0"/>
           </a:p>
@@ -11052,7 +11052,7 @@
           <a:p>
             <a:fld id="{EF20994C-E75A-463D-B1FB-9A4B00C17887}" type="datetime1">
               <a:rPr lang="en-US" smtClean="0"/>
-              <a:t>4/18/2022</a:t>
+              <a:t>4/19/2022</a:t>
             </a:fld>
             <a:endParaRPr lang="en-US" dirty="0"/>
           </a:p>
@@ -11172,7 +11172,7 @@
           <a:p>
             <a:fld id="{BC0CAA22-1073-4951-A48E-333A90A082F4}" type="datetime1">
               <a:rPr lang="en-US" smtClean="0"/>
-              <a:t>4/18/2022</a:t>
+              <a:t>4/19/2022</a:t>
             </a:fld>
             <a:endParaRPr lang="en-US" dirty="0"/>
           </a:p>
@@ -11267,7 +11267,7 @@
           <a:p>
             <a:fld id="{F1411681-0DF0-4920-8B35-57C3BE1FE277}" type="datetime1">
               <a:rPr lang="en-US" smtClean="0"/>
-              <a:t>4/18/2022</a:t>
+              <a:t>4/19/2022</a:t>
             </a:fld>
             <a:endParaRPr lang="en-US" dirty="0"/>
           </a:p>
@@ -11546,7 +11546,7 @@
           <a:p>
             <a:fld id="{EF20994C-E75A-463D-B1FB-9A4B00C17887}" type="datetime1">
               <a:rPr lang="en-US" smtClean="0"/>
-              <a:t>4/18/2022</a:t>
+              <a:t>4/19/2022</a:t>
             </a:fld>
             <a:endParaRPr lang="en-US" dirty="0"/>
           </a:p>
@@ -11823,7 +11823,7 @@
           <a:p>
             <a:fld id="{F90C348E-FFE0-4E6D-ADF6-D74F6D9755A2}" type="datetime1">
               <a:rPr lang="en-US" smtClean="0"/>
-              <a:t>4/18/2022</a:t>
+              <a:t>4/19/2022</a:t>
             </a:fld>
             <a:endParaRPr lang="en-US" dirty="0"/>
           </a:p>
@@ -12253,7 +12253,7 @@
           <a:p>
             <a:fld id="{EF20994C-E75A-463D-B1FB-9A4B00C17887}" type="datetime1">
               <a:rPr lang="en-US" smtClean="0"/>
-              <a:t>4/18/2022</a:t>
+              <a:t>4/19/2022</a:t>
             </a:fld>
             <a:endParaRPr lang="en-US" dirty="0"/>
           </a:p>
@@ -14426,7 +14426,7 @@
         </p:nvSpPr>
         <p:spPr>
           <a:xfrm>
-            <a:off x="4548355" y="2665238"/>
+            <a:off x="4075582" y="2594868"/>
             <a:ext cx="1343109" cy="730386"/>
           </a:xfrm>
           <a:prstGeom prst="rect">
@@ -14758,7 +14758,7 @@
         </p:blipFill>
         <p:spPr>
           <a:xfrm>
-            <a:off x="7337050" y="4207614"/>
+            <a:off x="6543251" y="4191959"/>
             <a:ext cx="1587598" cy="1587598"/>
           </a:xfrm>
           <a:prstGeom prst="rect">
@@ -14788,8 +14788,38 @@
         </p:blipFill>
         <p:spPr>
           <a:xfrm>
-            <a:off x="6008468" y="2009945"/>
+            <a:off x="5675509" y="1998710"/>
             <a:ext cx="1587599" cy="1587599"/>
+          </a:xfrm>
+          <a:prstGeom prst="rect">
+            <a:avLst/>
+          </a:prstGeom>
+        </p:spPr>
+      </p:pic>
+      <p:pic>
+        <p:nvPicPr>
+          <p:cNvPr id="10" name="Picture 9" descr="A picture containing person, outdoor, person&#10;&#10;Description generated with very high confidence">
+            <a:extLst>
+              <a:ext uri="{FF2B5EF4-FFF2-40B4-BE49-F238E27FC236}">
+                <a16:creationId xmlns:a16="http://schemas.microsoft.com/office/drawing/2014/main" id="{A75228D7-38A2-4478-8B9A-43500E69B560}"/>
+              </a:ext>
+            </a:extLst>
+          </p:cNvPr>
+          <p:cNvPicPr>
+            <a:picLocks noChangeAspect="1"/>
+          </p:cNvPicPr>
+          <p:nvPr/>
+        </p:nvPicPr>
+        <p:blipFill>
+          <a:blip r:embed="rId6"/>
+          <a:stretch>
+            <a:fillRect/>
+          </a:stretch>
+        </p:blipFill>
+        <p:spPr>
+          <a:xfrm>
+            <a:off x="9107526" y="2342860"/>
+            <a:ext cx="1599107" cy="1576364"/>
           </a:xfrm>
           <a:prstGeom prst="rect">
             <a:avLst/>
@@ -20333,14 +20363,6 @@
 </file>
 
 <file path=customXml/item2.xml><?xml version="1.0" encoding="utf-8"?>
-<p:properties xmlns:p="http://schemas.microsoft.com/office/2006/metadata/properties" xmlns:xsi="http://www.w3.org/2001/XMLSchema-instance" xmlns:pc="http://schemas.microsoft.com/office/infopath/2007/PartnerControls">
-  <documentManagement>
-    <MediaServiceKeyPoints xmlns="71af3243-3dd4-4a8d-8c0d-dd76da1f02a5" xsi:nil="true"/>
-  </documentManagement>
-</p:properties>
-</file>
-
-<file path=customXml/item3.xml><?xml version="1.0" encoding="utf-8"?>
 <ct:contentTypeSchema xmlns:ct="http://schemas.microsoft.com/office/2006/metadata/contentType" xmlns:ma="http://schemas.microsoft.com/office/2006/metadata/properties/metaAttributes" ct:_="" ma:_="" ma:contentTypeName="Document" ma:contentTypeID="0x01010079F111ED35F8CC479449609E8A0923A6" ma:contentTypeVersion="11" ma:contentTypeDescription="Create a new document." ma:contentTypeScope="" ma:versionID="9677210f24a1be23c92c90fd886aa0aa">
   <xsd:schema xmlns:xsd="http://www.w3.org/2001/XMLSchema" xmlns:xs="http://www.w3.org/2001/XMLSchema" xmlns:p="http://schemas.microsoft.com/office/2006/metadata/properties" xmlns:ns2="71af3243-3dd4-4a8d-8c0d-dd76da1f02a5" xmlns:ns3="16c05727-aa75-4e4a-9b5f-8a80a1165891" targetNamespace="http://schemas.microsoft.com/office/2006/metadata/properties" ma:root="true" ma:fieldsID="60e05723c5c1908df1a1a4ebf11d344e" ns2:_="" ns3:_="">
     <xsd:import namespace="71af3243-3dd4-4a8d-8c0d-dd76da1f02a5"/>
@@ -20551,6 +20573,14 @@
 </ct:contentTypeSchema>
 </file>
 
+<file path=customXml/item3.xml><?xml version="1.0" encoding="utf-8"?>
+<p:properties xmlns:p="http://schemas.microsoft.com/office/2006/metadata/properties" xmlns:xsi="http://www.w3.org/2001/XMLSchema-instance" xmlns:pc="http://schemas.microsoft.com/office/infopath/2007/PartnerControls">
+  <documentManagement>
+    <MediaServiceKeyPoints xmlns="71af3243-3dd4-4a8d-8c0d-dd76da1f02a5" xsi:nil="true"/>
+  </documentManagement>
+</p:properties>
+</file>
+
 <file path=customXml/itemProps1.xml><?xml version="1.0" encoding="utf-8"?>
 <ds:datastoreItem xmlns:ds="http://schemas.openxmlformats.org/officeDocument/2006/customXml" ds:itemID="{D11AEF4D-E1F1-46B8-8C58-B490BFDD64A4}">
   <ds:schemaRefs>
@@ -20560,16 +20590,6 @@
 </file>
 
 <file path=customXml/itemProps2.xml><?xml version="1.0" encoding="utf-8"?>
-<ds:datastoreItem xmlns:ds="http://schemas.openxmlformats.org/officeDocument/2006/customXml" ds:itemID="{9C13C901-7F07-466C-BBFB-37B66ED1F691}">
-  <ds:schemaRefs>
-    <ds:schemaRef ds:uri="http://schemas.microsoft.com/office/2006/metadata/properties"/>
-    <ds:schemaRef ds:uri="http://schemas.microsoft.com/office/infopath/2007/PartnerControls"/>
-    <ds:schemaRef ds:uri="71af3243-3dd4-4a8d-8c0d-dd76da1f02a5"/>
-  </ds:schemaRefs>
-</ds:datastoreItem>
-</file>
-
-<file path=customXml/itemProps3.xml><?xml version="1.0" encoding="utf-8"?>
 <ds:datastoreItem xmlns:ds="http://schemas.openxmlformats.org/officeDocument/2006/customXml" ds:itemID="{8C149337-CC20-42E7-8327-E5212BE34450}">
   <ds:schemaRefs>
     <ds:schemaRef ds:uri="http://schemas.microsoft.com/office/2006/metadata/contentType"/>
@@ -20586,4 +20606,14 @@
     <ds:schemaRef ds:uri="http://schemas.microsoft.com/internal/obd"/>
   </ds:schemaRefs>
 </ds:datastoreItem>
+</file>
+
+<file path=customXml/itemProps3.xml><?xml version="1.0" encoding="utf-8"?>
+<ds:datastoreItem xmlns:ds="http://schemas.openxmlformats.org/officeDocument/2006/customXml" ds:itemID="{9C13C901-7F07-466C-BBFB-37B66ED1F691}">
+  <ds:schemaRefs>
+    <ds:schemaRef ds:uri="http://schemas.microsoft.com/office/2006/metadata/properties"/>
+    <ds:schemaRef ds:uri="http://schemas.microsoft.com/office/infopath/2007/PartnerControls"/>
+    <ds:schemaRef ds:uri="71af3243-3dd4-4a8d-8c0d-dd76da1f02a5"/>
+  </ds:schemaRefs>
+</ds:datastoreItem>
 </file>
--- a/presentation.pptx
+++ b/presentation.pptx
@@ -13,9 +13,9 @@
     <p:sldId id="263" r:id="rId7"/>
     <p:sldId id="265" r:id="rId8"/>
     <p:sldId id="271" r:id="rId9"/>
-    <p:sldId id="269" r:id="rId10"/>
-    <p:sldId id="259" r:id="rId11"/>
-    <p:sldId id="270" r:id="rId12"/>
+    <p:sldId id="259" r:id="rId10"/>
+    <p:sldId id="270" r:id="rId11"/>
+    <p:sldId id="269" r:id="rId12"/>
     <p:sldId id="266" r:id="rId13"/>
     <p:sldId id="267" r:id="rId14"/>
     <p:sldId id="268" r:id="rId15"/>
@@ -128,7 +128,7 @@
 <file path=ppt/revisionInfo.xml><?xml version="1.0" encoding="utf-8"?>
 <p1510:revInfo xmlns:a="http://schemas.openxmlformats.org/drawingml/2006/main" xmlns:r="http://schemas.openxmlformats.org/officeDocument/2006/relationships" xmlns:p1510="http://schemas.microsoft.com/office/powerpoint/2015/10/main">
   <p1510:revLst>
-    <p1510:client id="{A2530CF2-B67D-4656-99CA-A47DD1240793}" v="2574" dt="2022-04-19T23:24:00.265"/>
+    <p1510:client id="{A2530CF2-B67D-4656-99CA-A47DD1240793}" v="2609" dt="2022-04-19T23:58:12.236"/>
   </p1510:revLst>
 </p1510:revInfo>
 </file>
@@ -12858,9 +12858,12 @@
         </p:nvSpPr>
         <p:spPr>
           <a:xfrm>
-            <a:off x="6265339" y="1447800"/>
-            <a:ext cx="4562452" cy="2154568"/>
+            <a:off x="6265339" y="1447799"/>
+            <a:ext cx="4562452" cy="3254383"/>
           </a:xfrm>
+          <a:solidFill>
+            <a:schemeClr val="bg1"/>
+          </a:solidFill>
         </p:spPr>
         <p:txBody>
           <a:bodyPr>
@@ -12890,7 +12893,7 @@
         </p:nvSpPr>
         <p:spPr>
           <a:xfrm>
-            <a:off x="6265339" y="3834352"/>
+            <a:off x="6265339" y="3567652"/>
             <a:ext cx="4562452" cy="937622"/>
           </a:xfrm>
         </p:spPr>
@@ -12901,7 +12904,7 @@
           <a:lstStyle/>
           <a:p>
             <a:r>
-              <a:rPr lang="en-US" sz="3200" dirty="0">
+              <a:rPr lang="en-US" sz="4000" dirty="0">
                 <a:solidFill>
                   <a:schemeClr val="tx1"/>
                 </a:solidFill>
@@ -12935,7 +12938,7 @@
         </p:blipFill>
         <p:spPr>
           <a:xfrm>
-            <a:off x="6265339" y="1447800"/>
+            <a:off x="6265339" y="1411833"/>
             <a:ext cx="4562452" cy="2270560"/>
           </a:xfrm>
           <a:prstGeom prst="rect">
@@ -17082,6 +17085,1542 @@
 <file path=ppt/slides/slide6.xml><?xml version="1.0" encoding="utf-8"?>
 <p:sld xmlns:a="http://schemas.openxmlformats.org/drawingml/2006/main" xmlns:r="http://schemas.openxmlformats.org/officeDocument/2006/relationships" xmlns:p="http://schemas.openxmlformats.org/presentationml/2006/main">
   <p:cSld>
+    <p:bg>
+      <p:bgPr>
+        <a:blipFill rotWithShape="1">
+          <a:blip r:embed="rId2">
+            <a:duotone>
+              <a:schemeClr val="bg2">
+                <a:shade val="69000"/>
+                <a:hueMod val="108000"/>
+                <a:satMod val="164000"/>
+                <a:lumMod val="74000"/>
+              </a:schemeClr>
+              <a:schemeClr val="bg2">
+                <a:tint val="96000"/>
+                <a:hueMod val="88000"/>
+                <a:satMod val="140000"/>
+                <a:lumMod val="132000"/>
+              </a:schemeClr>
+            </a:duotone>
+            <a:extLst/>
+          </a:blip>
+          <a:stretch/>
+        </a:blipFill>
+        <a:effectLst/>
+      </p:bgPr>
+    </p:bg>
+    <p:spTree>
+      <p:nvGrpSpPr>
+        <p:cNvPr id="1" name=""/>
+        <p:cNvGrpSpPr/>
+        <p:nvPr/>
+      </p:nvGrpSpPr>
+      <p:grpSpPr>
+        <a:xfrm>
+          <a:off x="0" y="0"/>
+          <a:ext cx="0" cy="0"/>
+          <a:chOff x="0" y="0"/>
+          <a:chExt cx="0" cy="0"/>
+        </a:xfrm>
+      </p:grpSpPr>
+      <p:sp>
+        <p:nvSpPr>
+          <p:cNvPr id="2" name="Title 1">
+            <a:extLst>
+              <a:ext uri="{FF2B5EF4-FFF2-40B4-BE49-F238E27FC236}">
+                <a16:creationId xmlns:a16="http://schemas.microsoft.com/office/drawing/2014/main" id="{D46186C8-8AF5-4258-A684-57CF33F52F72}"/>
+              </a:ext>
+            </a:extLst>
+          </p:cNvPr>
+          <p:cNvSpPr>
+            <a:spLocks noGrp="1"/>
+          </p:cNvSpPr>
+          <p:nvPr>
+            <p:ph type="title"/>
+          </p:nvPr>
+        </p:nvSpPr>
+        <p:spPr>
+          <a:xfrm>
+            <a:off x="8091644" y="397043"/>
+            <a:ext cx="3554923" cy="6087978"/>
+          </a:xfrm>
+        </p:spPr>
+        <p:txBody>
+          <a:bodyPr vert="horz" lIns="91440" tIns="45720" rIns="91440" bIns="45720" rtlCol="0" anchor="b">
+            <a:noAutofit/>
+          </a:bodyPr>
+          <a:lstStyle/>
+          <a:p>
+            <a:pPr>
+              <a:lnSpc>
+                <a:spcPct val="90000"/>
+              </a:lnSpc>
+            </a:pPr>
+            <a:r>
+              <a:rPr lang="en-US" sz="2000" dirty="0">
+                <a:solidFill>
+                  <a:srgbClr val="EBEBEB"/>
+                </a:solidFill>
+              </a:rPr>
+              <a:t>Name: Stewart</a:t>
+            </a:r>
+            <a:br>
+              <a:rPr lang="en-US" sz="2000" dirty="0">
+                <a:solidFill>
+                  <a:srgbClr val="EBEBEB"/>
+                </a:solidFill>
+              </a:rPr>
+            </a:br>
+            <a:br>
+              <a:rPr lang="en-US" sz="2000" dirty="0">
+                <a:solidFill>
+                  <a:srgbClr val="EBEBEB"/>
+                </a:solidFill>
+              </a:rPr>
+            </a:br>
+            <a:r>
+              <a:rPr lang="en-US" sz="2000" dirty="0">
+                <a:solidFill>
+                  <a:srgbClr val="EBEBEB"/>
+                </a:solidFill>
+              </a:rPr>
+              <a:t>Background:</a:t>
+            </a:r>
+            <a:br>
+              <a:rPr lang="en-US" sz="2000" dirty="0">
+                <a:solidFill>
+                  <a:srgbClr val="EBEBEB"/>
+                </a:solidFill>
+              </a:rPr>
+            </a:br>
+            <a:r>
+              <a:rPr lang="en-US" sz="2000" dirty="0">
+                <a:solidFill>
+                  <a:srgbClr val="EBEBEB"/>
+                </a:solidFill>
+              </a:rPr>
+              <a:t>IIT Public Safety worker</a:t>
+            </a:r>
+            <a:br>
+              <a:rPr lang="en-US" sz="2000" dirty="0">
+                <a:solidFill>
+                  <a:srgbClr val="EBEBEB"/>
+                </a:solidFill>
+              </a:rPr>
+            </a:br>
+            <a:r>
+              <a:rPr lang="en-US" sz="2000" dirty="0">
+                <a:solidFill>
+                  <a:srgbClr val="EBEBEB"/>
+                </a:solidFill>
+              </a:rPr>
+              <a:t>driving a Public Safety vehicle</a:t>
+            </a:r>
+            <a:br>
+              <a:rPr lang="en-US" sz="2000" dirty="0">
+                <a:solidFill>
+                  <a:srgbClr val="EBEBEB"/>
+                </a:solidFill>
+              </a:rPr>
+            </a:br>
+            <a:r>
+              <a:rPr lang="en-US" sz="2000" dirty="0">
+                <a:solidFill>
+                  <a:srgbClr val="EBEBEB"/>
+                </a:solidFill>
+              </a:rPr>
+              <a:t>Working on-campus</a:t>
+            </a:r>
+            <a:br>
+              <a:rPr lang="en-US" sz="2000" dirty="0">
+                <a:solidFill>
+                  <a:srgbClr val="EBEBEB"/>
+                </a:solidFill>
+              </a:rPr>
+            </a:br>
+            <a:br>
+              <a:rPr lang="en-US" sz="2000" dirty="0">
+                <a:solidFill>
+                  <a:srgbClr val="EBEBEB"/>
+                </a:solidFill>
+              </a:rPr>
+            </a:br>
+            <a:r>
+              <a:rPr lang="en-US" sz="2000" dirty="0">
+                <a:solidFill>
+                  <a:srgbClr val="EBEBEB"/>
+                </a:solidFill>
+              </a:rPr>
+              <a:t>Goal:</a:t>
+            </a:r>
+            <a:br>
+              <a:rPr lang="en-US" sz="2000" dirty="0">
+                <a:solidFill>
+                  <a:srgbClr val="EBEBEB"/>
+                </a:solidFill>
+              </a:rPr>
+            </a:br>
+            <a:r>
+              <a:rPr lang="en-US" sz="2000" dirty="0">
+                <a:solidFill>
+                  <a:srgbClr val="EBEBEB"/>
+                </a:solidFill>
+              </a:rPr>
+              <a:t>Keep campus safe by reviewing and keeping the information about incidents updated.</a:t>
+            </a:r>
+            <a:br>
+              <a:rPr lang="en-US" sz="2000" dirty="0">
+                <a:solidFill>
+                  <a:srgbClr val="EBEBEB"/>
+                </a:solidFill>
+              </a:rPr>
+            </a:br>
+            <a:r>
+              <a:rPr lang="en-US" sz="2000" dirty="0">
+                <a:solidFill>
+                  <a:srgbClr val="EBEBEB"/>
+                </a:solidFill>
+              </a:rPr>
+              <a:t>Monitors and responds to reported incidents</a:t>
+            </a:r>
+            <a:br>
+              <a:rPr lang="en-US" sz="2000" dirty="0">
+                <a:solidFill>
+                  <a:srgbClr val="EBEBEB"/>
+                </a:solidFill>
+              </a:rPr>
+            </a:br>
+            <a:r>
+              <a:rPr lang="en-US" sz="2000" dirty="0">
+                <a:solidFill>
+                  <a:srgbClr val="EBEBEB"/>
+                </a:solidFill>
+              </a:rPr>
+              <a:t>Develops the safety plans based on incidents reports</a:t>
+            </a:r>
+            <a:br>
+              <a:rPr lang="en-US" sz="2000" dirty="0">
+                <a:solidFill>
+                  <a:srgbClr val="EBEBEB"/>
+                </a:solidFill>
+              </a:rPr>
+            </a:br>
+            <a:r>
+              <a:rPr lang="en-US" sz="2000" dirty="0">
+                <a:solidFill>
+                  <a:srgbClr val="EBEBEB"/>
+                </a:solidFill>
+              </a:rPr>
+              <a:t>Analyze hotspots for incidents / hazards</a:t>
+            </a:r>
+          </a:p>
+        </p:txBody>
+      </p:sp>
+      <p:pic>
+        <p:nvPicPr>
+          <p:cNvPr id="4" name="Picture 3">
+            <a:extLst>
+              <a:ext uri="{FF2B5EF4-FFF2-40B4-BE49-F238E27FC236}">
+                <a16:creationId xmlns:a16="http://schemas.microsoft.com/office/drawing/2014/main" id="{321945A5-3707-40E3-B523-2A4CEC72C4BD}"/>
+              </a:ext>
+            </a:extLst>
+          </p:cNvPr>
+          <p:cNvPicPr>
+            <a:picLocks noChangeAspect="1"/>
+          </p:cNvPicPr>
+          <p:nvPr/>
+        </p:nvPicPr>
+        <p:blipFill rotWithShape="1">
+          <a:blip r:embed="rId3"/>
+          <a:srcRect l="8055" r="24055"/>
+          <a:stretch/>
+        </p:blipFill>
+        <p:spPr>
+          <a:xfrm>
+            <a:off x="20" y="10"/>
+            <a:ext cx="7759920" cy="6857991"/>
+          </a:xfrm>
+          <a:custGeom>
+            <a:avLst/>
+            <a:gdLst/>
+            <a:ahLst/>
+            <a:cxnLst/>
+            <a:rect l="l" t="t" r="r" b="b"/>
+            <a:pathLst>
+              <a:path w="7759940" h="6858001">
+                <a:moveTo>
+                  <a:pt x="0" y="0"/>
+                </a:moveTo>
+                <a:lnTo>
+                  <a:pt x="1296537" y="0"/>
+                </a:lnTo>
+                <a:lnTo>
+                  <a:pt x="1296537" y="1"/>
+                </a:lnTo>
+                <a:lnTo>
+                  <a:pt x="6415225" y="1"/>
+                </a:lnTo>
+                <a:lnTo>
+                  <a:pt x="6415225" y="0"/>
+                </a:lnTo>
+                <a:lnTo>
+                  <a:pt x="7758763" y="0"/>
+                </a:lnTo>
+                <a:lnTo>
+                  <a:pt x="7733718" y="155677"/>
+                </a:lnTo>
+                <a:lnTo>
+                  <a:pt x="7709849" y="310668"/>
+                </a:lnTo>
+                <a:lnTo>
+                  <a:pt x="7686485" y="466344"/>
+                </a:lnTo>
+                <a:lnTo>
+                  <a:pt x="7666482" y="622707"/>
+                </a:lnTo>
+                <a:lnTo>
+                  <a:pt x="7646311" y="778383"/>
+                </a:lnTo>
+                <a:lnTo>
+                  <a:pt x="7627485" y="934746"/>
+                </a:lnTo>
+                <a:lnTo>
+                  <a:pt x="7611349" y="1089051"/>
+                </a:lnTo>
+                <a:lnTo>
+                  <a:pt x="7596053" y="1245413"/>
+                </a:lnTo>
+                <a:lnTo>
+                  <a:pt x="7582101" y="1401090"/>
+                </a:lnTo>
+                <a:lnTo>
+                  <a:pt x="7569999" y="1554023"/>
+                </a:lnTo>
+                <a:lnTo>
+                  <a:pt x="7557896" y="1709014"/>
+                </a:lnTo>
+                <a:lnTo>
+                  <a:pt x="7547811" y="1861947"/>
+                </a:lnTo>
+                <a:lnTo>
+                  <a:pt x="7539911" y="2014881"/>
+                </a:lnTo>
+                <a:lnTo>
+                  <a:pt x="7531674" y="2167128"/>
+                </a:lnTo>
+                <a:lnTo>
+                  <a:pt x="7524783" y="2318004"/>
+                </a:lnTo>
+                <a:lnTo>
+                  <a:pt x="7519908" y="2467509"/>
+                </a:lnTo>
+                <a:lnTo>
+                  <a:pt x="7515706" y="2617013"/>
+                </a:lnTo>
+                <a:lnTo>
+                  <a:pt x="7511672" y="2765146"/>
+                </a:lnTo>
+                <a:lnTo>
+                  <a:pt x="7509823" y="2911221"/>
+                </a:lnTo>
+                <a:lnTo>
+                  <a:pt x="7507806" y="3057297"/>
+                </a:lnTo>
+                <a:lnTo>
+                  <a:pt x="7506797" y="3201315"/>
+                </a:lnTo>
+                <a:lnTo>
+                  <a:pt x="7507806" y="3343961"/>
+                </a:lnTo>
+                <a:lnTo>
+                  <a:pt x="7507806" y="3485236"/>
+                </a:lnTo>
+                <a:lnTo>
+                  <a:pt x="7509823" y="3625139"/>
+                </a:lnTo>
+                <a:lnTo>
+                  <a:pt x="7512848" y="3762299"/>
+                </a:lnTo>
+                <a:lnTo>
+                  <a:pt x="7515706" y="3898087"/>
+                </a:lnTo>
+                <a:lnTo>
+                  <a:pt x="7518900" y="4031133"/>
+                </a:lnTo>
+                <a:lnTo>
+                  <a:pt x="7523774" y="4163492"/>
+                </a:lnTo>
+                <a:lnTo>
+                  <a:pt x="7528985" y="4293793"/>
+                </a:lnTo>
+                <a:lnTo>
+                  <a:pt x="7533691" y="4421352"/>
+                </a:lnTo>
+                <a:lnTo>
+                  <a:pt x="7546971" y="4670298"/>
+                </a:lnTo>
+                <a:lnTo>
+                  <a:pt x="7561090" y="4908956"/>
+                </a:lnTo>
+                <a:lnTo>
+                  <a:pt x="7575882" y="5138013"/>
+                </a:lnTo>
+                <a:lnTo>
+                  <a:pt x="7592187" y="5354726"/>
+                </a:lnTo>
+                <a:lnTo>
+                  <a:pt x="7609164" y="5561838"/>
+                </a:lnTo>
+                <a:lnTo>
+                  <a:pt x="7627485" y="5753862"/>
+                </a:lnTo>
+                <a:lnTo>
+                  <a:pt x="7645471" y="5934227"/>
+                </a:lnTo>
+                <a:lnTo>
+                  <a:pt x="7663456" y="6100191"/>
+                </a:lnTo>
+                <a:lnTo>
+                  <a:pt x="7680433" y="6252438"/>
+                </a:lnTo>
+                <a:lnTo>
+                  <a:pt x="7696570" y="6387541"/>
+                </a:lnTo>
+                <a:lnTo>
+                  <a:pt x="7711866" y="6509613"/>
+                </a:lnTo>
+                <a:lnTo>
+                  <a:pt x="7724641" y="6612483"/>
+                </a:lnTo>
+                <a:lnTo>
+                  <a:pt x="7736743" y="6698894"/>
+                </a:lnTo>
+                <a:lnTo>
+                  <a:pt x="7754057" y="6817538"/>
+                </a:lnTo>
+                <a:lnTo>
+                  <a:pt x="7759940" y="6858000"/>
+                </a:lnTo>
+                <a:lnTo>
+                  <a:pt x="6854586" y="6858000"/>
+                </a:lnTo>
+                <a:lnTo>
+                  <a:pt x="6854586" y="6858001"/>
+                </a:lnTo>
+                <a:lnTo>
+                  <a:pt x="764022" y="6858001"/>
+                </a:lnTo>
+                <a:lnTo>
+                  <a:pt x="764022" y="6858000"/>
+                </a:lnTo>
+                <a:lnTo>
+                  <a:pt x="0" y="6858000"/>
+                </a:lnTo>
+                <a:close/>
+              </a:path>
+            </a:pathLst>
+          </a:custGeom>
+        </p:spPr>
+      </p:pic>
+    </p:spTree>
+    <p:extLst>
+      <p:ext uri="{BB962C8B-B14F-4D97-AF65-F5344CB8AC3E}">
+        <p14:creationId xmlns:p14="http://schemas.microsoft.com/office/powerpoint/2010/main" val="489778320"/>
+      </p:ext>
+    </p:extLst>
+  </p:cSld>
+  <p:clrMapOvr>
+    <a:masterClrMapping/>
+  </p:clrMapOvr>
+</p:sld>
+</file>
+
+<file path=ppt/slides/slide7.xml><?xml version="1.0" encoding="utf-8"?>
+<p:sld xmlns:a="http://schemas.openxmlformats.org/drawingml/2006/main" xmlns:r="http://schemas.openxmlformats.org/officeDocument/2006/relationships" xmlns:p="http://schemas.openxmlformats.org/presentationml/2006/main">
+  <p:cSld>
+    <p:bg>
+      <p:bgPr>
+        <a:solidFill>
+          <a:schemeClr val="bg1"/>
+        </a:solidFill>
+        <a:effectLst/>
+      </p:bgPr>
+    </p:bg>
+    <p:spTree>
+      <p:nvGrpSpPr>
+        <p:cNvPr id="1" name=""/>
+        <p:cNvGrpSpPr/>
+        <p:nvPr/>
+      </p:nvGrpSpPr>
+      <p:grpSpPr>
+        <a:xfrm>
+          <a:off x="0" y="0"/>
+          <a:ext cx="0" cy="0"/>
+          <a:chOff x="0" y="0"/>
+          <a:chExt cx="0" cy="0"/>
+        </a:xfrm>
+      </p:grpSpPr>
+      <p:sp>
+        <p:nvSpPr>
+          <p:cNvPr id="9" name="Rectangle 8">
+            <a:extLst>
+              <a:ext uri="{FF2B5EF4-FFF2-40B4-BE49-F238E27FC236}">
+                <a16:creationId xmlns:a16="http://schemas.microsoft.com/office/drawing/2014/main" id="{F747F1B4-B831-4277-8AB0-32767F7EB7BF}"/>
+              </a:ext>
+              <a:ext uri="{C183D7F6-B498-43B3-948B-1728B52AA6E4}">
+                <adec:decorative xmlns:adec="http://schemas.microsoft.com/office/drawing/2017/decorative" val="1"/>
+              </a:ext>
+            </a:extLst>
+          </p:cNvPr>
+          <p:cNvSpPr>
+            <a:spLocks noGrp="1" noRot="1" noChangeAspect="1" noMove="1" noResize="1" noEditPoints="1" noAdjustHandles="1" noChangeArrowheads="1" noChangeShapeType="1" noTextEdit="1"/>
+          </p:cNvSpPr>
+          <p:nvPr>
+            <p:extLst>
+              <p:ext uri="{386F3935-93C4-4BCD-93E2-E3B085C9AB24}">
+                <p16:designElem xmlns:p16="http://schemas.microsoft.com/office/powerpoint/2015/main" val="1"/>
+              </p:ext>
+            </p:extLst>
+          </p:nvPr>
+        </p:nvSpPr>
+        <p:spPr>
+          <a:xfrm>
+            <a:off x="0" y="0"/>
+            <a:ext cx="12191999" cy="6858000"/>
+          </a:xfrm>
+          <a:prstGeom prst="rect">
+            <a:avLst/>
+          </a:prstGeom>
+          <a:ln>
+            <a:noFill/>
+          </a:ln>
+        </p:spPr>
+        <p:style>
+          <a:lnRef idx="2">
+            <a:schemeClr val="accent1">
+              <a:shade val="50000"/>
+            </a:schemeClr>
+          </a:lnRef>
+          <a:fillRef idx="1003">
+            <a:schemeClr val="dk2"/>
+          </a:fillRef>
+          <a:effectRef idx="0">
+            <a:schemeClr val="accent1"/>
+          </a:effectRef>
+          <a:fontRef idx="minor">
+            <a:schemeClr val="lt1"/>
+          </a:fontRef>
+        </p:style>
+        <p:txBody>
+          <a:bodyPr rtlCol="0" anchor="ctr"/>
+          <a:lstStyle/>
+          <a:p>
+            <a:pPr algn="ctr"/>
+            <a:endParaRPr lang="en-US"/>
+          </a:p>
+        </p:txBody>
+      </p:sp>
+      <p:sp>
+        <p:nvSpPr>
+          <p:cNvPr id="11" name="Freeform 7">
+            <a:extLst>
+              <a:ext uri="{FF2B5EF4-FFF2-40B4-BE49-F238E27FC236}">
+                <a16:creationId xmlns:a16="http://schemas.microsoft.com/office/drawing/2014/main" id="{D80CFA21-AB7C-4BEB-9BFF-05764FBBF3C6}"/>
+              </a:ext>
+              <a:ext uri="{C183D7F6-B498-43B3-948B-1728B52AA6E4}">
+                <adec:decorative xmlns:adec="http://schemas.microsoft.com/office/drawing/2017/decorative" val="1"/>
+              </a:ext>
+            </a:extLst>
+          </p:cNvPr>
+          <p:cNvSpPr>
+            <a:spLocks noGrp="1" noRot="1" noChangeAspect="1" noMove="1" noResize="1" noEditPoints="1" noAdjustHandles="1" noChangeArrowheads="1" noChangeShapeType="1" noTextEdit="1"/>
+          </p:cNvSpPr>
+          <p:nvPr>
+            <p:extLst>
+              <p:ext uri="{386F3935-93C4-4BCD-93E2-E3B085C9AB24}">
+                <p16:designElem xmlns:p16="http://schemas.microsoft.com/office/powerpoint/2015/main" val="1"/>
+              </p:ext>
+            </p:extLst>
+          </p:nvPr>
+        </p:nvSpPr>
+        <p:spPr>
+          <a:xfrm>
+            <a:off x="8719939" y="1460230"/>
+            <a:ext cx="3472060" cy="825932"/>
+          </a:xfrm>
+          <a:custGeom>
+            <a:avLst/>
+            <a:gdLst>
+              <a:gd name="connsiteX0" fmla="*/ 3470310 w 3472060"/>
+              <a:gd name="connsiteY0" fmla="*/ 0 h 825932"/>
+              <a:gd name="connsiteX1" fmla="*/ 3472060 w 3472060"/>
+              <a:gd name="connsiteY1" fmla="*/ 12850 h 825932"/>
+              <a:gd name="connsiteX2" fmla="*/ 3472060 w 3472060"/>
+              <a:gd name="connsiteY2" fmla="*/ 480529 h 825932"/>
+              <a:gd name="connsiteX3" fmla="*/ 3363699 w 3472060"/>
+              <a:gd name="connsiteY3" fmla="*/ 498471 h 825932"/>
+              <a:gd name="connsiteX4" fmla="*/ 42060 w 3472060"/>
+              <a:gd name="connsiteY4" fmla="*/ 824486 h 825932"/>
+              <a:gd name="connsiteX5" fmla="*/ 0 w 3472060"/>
+              <a:gd name="connsiteY5" fmla="*/ 758452 h 825932"/>
+              <a:gd name="connsiteX6" fmla="*/ 188014 w 3472060"/>
+              <a:gd name="connsiteY6" fmla="*/ 735602 h 825932"/>
+              <a:gd name="connsiteX7" fmla="*/ 284087 w 3472060"/>
+              <a:gd name="connsiteY7" fmla="*/ 722590 h 825932"/>
+              <a:gd name="connsiteX8" fmla="*/ 382288 w 3472060"/>
+              <a:gd name="connsiteY8" fmla="*/ 709392 h 825932"/>
+              <a:gd name="connsiteX9" fmla="*/ 481858 w 3472060"/>
+              <a:gd name="connsiteY9" fmla="*/ 695774 h 825932"/>
+              <a:gd name="connsiteX10" fmla="*/ 581897 w 3472060"/>
+              <a:gd name="connsiteY10" fmla="*/ 680711 h 825932"/>
+              <a:gd name="connsiteX11" fmla="*/ 683670 w 3472060"/>
+              <a:gd name="connsiteY11" fmla="*/ 665256 h 825932"/>
+              <a:gd name="connsiteX12" fmla="*/ 787206 w 3472060"/>
+              <a:gd name="connsiteY12" fmla="*/ 649587 h 825932"/>
+              <a:gd name="connsiteX13" fmla="*/ 892019 w 3472060"/>
+              <a:gd name="connsiteY13" fmla="*/ 632968 h 825932"/>
+              <a:gd name="connsiteX14" fmla="*/ 997620 w 3472060"/>
+              <a:gd name="connsiteY14" fmla="*/ 614667 h 825932"/>
+              <a:gd name="connsiteX15" fmla="*/ 1104727 w 3472060"/>
+              <a:gd name="connsiteY15" fmla="*/ 596741 h 825932"/>
+              <a:gd name="connsiteX16" fmla="*/ 1212669 w 3472060"/>
+              <a:gd name="connsiteY16" fmla="*/ 577397 h 825932"/>
+              <a:gd name="connsiteX17" fmla="*/ 1321506 w 3472060"/>
+              <a:gd name="connsiteY17" fmla="*/ 556988 h 825932"/>
+              <a:gd name="connsiteX18" fmla="*/ 1430709 w 3472060"/>
+              <a:gd name="connsiteY18" fmla="*/ 536607 h 825932"/>
+              <a:gd name="connsiteX19" fmla="*/ 1541050 w 3472060"/>
+              <a:gd name="connsiteY19" fmla="*/ 514481 h 825932"/>
+              <a:gd name="connsiteX20" fmla="*/ 1652805 w 3472060"/>
+              <a:gd name="connsiteY20" fmla="*/ 492202 h 825932"/>
+              <a:gd name="connsiteX21" fmla="*/ 1763708 w 3472060"/>
+              <a:gd name="connsiteY21" fmla="*/ 469161 h 825932"/>
+              <a:gd name="connsiteX22" fmla="*/ 1875795 w 3472060"/>
+              <a:gd name="connsiteY22" fmla="*/ 444641 h 825932"/>
+              <a:gd name="connsiteX23" fmla="*/ 1989128 w 3472060"/>
+              <a:gd name="connsiteY23" fmla="*/ 418995 h 825932"/>
+              <a:gd name="connsiteX24" fmla="*/ 2102476 w 3472060"/>
+              <a:gd name="connsiteY24" fmla="*/ 393438 h 825932"/>
+              <a:gd name="connsiteX25" fmla="*/ 2215549 w 3472060"/>
+              <a:gd name="connsiteY25" fmla="*/ 366291 h 825932"/>
+              <a:gd name="connsiteX26" fmla="*/ 2330490 w 3472060"/>
+              <a:gd name="connsiteY26" fmla="*/ 337455 h 825932"/>
+              <a:gd name="connsiteX27" fmla="*/ 2443333 w 3472060"/>
+              <a:gd name="connsiteY27" fmla="*/ 308983 h 825932"/>
+              <a:gd name="connsiteX28" fmla="*/ 2558014 w 3472060"/>
+              <a:gd name="connsiteY28" fmla="*/ 278646 h 825932"/>
+              <a:gd name="connsiteX29" fmla="*/ 2673621 w 3472060"/>
+              <a:gd name="connsiteY29" fmla="*/ 247421 h 825932"/>
+              <a:gd name="connsiteX30" fmla="*/ 2787008 w 3472060"/>
+              <a:gd name="connsiteY30" fmla="*/ 215853 h 825932"/>
+              <a:gd name="connsiteX31" fmla="*/ 2901442 w 3472060"/>
+              <a:gd name="connsiteY31" fmla="*/ 182011 h 825932"/>
+              <a:gd name="connsiteX32" fmla="*/ 3015722 w 3472060"/>
+              <a:gd name="connsiteY32" fmla="*/ 147286 h 825932"/>
+              <a:gd name="connsiteX33" fmla="*/ 3130018 w 3472060"/>
+              <a:gd name="connsiteY33" fmla="*/ 112649 h 825932"/>
+              <a:gd name="connsiteX34" fmla="*/ 3243551 w 3472060"/>
+              <a:gd name="connsiteY34" fmla="*/ 75688 h 825932"/>
+              <a:gd name="connsiteX35" fmla="*/ 3356992 w 3472060"/>
+              <a:gd name="connsiteY35" fmla="*/ 38197 h 825932"/>
+              <a:gd name="connsiteX36" fmla="*/ 3470310 w 3472060"/>
+              <a:gd name="connsiteY36" fmla="*/ 0 h 825932"/>
+            </a:gdLst>
+            <a:ahLst/>
+            <a:cxnLst>
+              <a:cxn ang="0">
+                <a:pos x="connsiteX0" y="connsiteY0"/>
+              </a:cxn>
+              <a:cxn ang="0">
+                <a:pos x="connsiteX1" y="connsiteY1"/>
+              </a:cxn>
+              <a:cxn ang="0">
+                <a:pos x="connsiteX2" y="connsiteY2"/>
+              </a:cxn>
+              <a:cxn ang="0">
+                <a:pos x="connsiteX3" y="connsiteY3"/>
+              </a:cxn>
+              <a:cxn ang="0">
+                <a:pos x="connsiteX4" y="connsiteY4"/>
+              </a:cxn>
+              <a:cxn ang="0">
+                <a:pos x="connsiteX5" y="connsiteY5"/>
+              </a:cxn>
+              <a:cxn ang="0">
+                <a:pos x="connsiteX6" y="connsiteY6"/>
+              </a:cxn>
+              <a:cxn ang="0">
+                <a:pos x="connsiteX7" y="connsiteY7"/>
+              </a:cxn>
+              <a:cxn ang="0">
+                <a:pos x="connsiteX8" y="connsiteY8"/>
+              </a:cxn>
+              <a:cxn ang="0">
+                <a:pos x="connsiteX9" y="connsiteY9"/>
+              </a:cxn>
+              <a:cxn ang="0">
+                <a:pos x="connsiteX10" y="connsiteY10"/>
+              </a:cxn>
+              <a:cxn ang="0">
+                <a:pos x="connsiteX11" y="connsiteY11"/>
+              </a:cxn>
+              <a:cxn ang="0">
+                <a:pos x="connsiteX12" y="connsiteY12"/>
+              </a:cxn>
+              <a:cxn ang="0">
+                <a:pos x="connsiteX13" y="connsiteY13"/>
+              </a:cxn>
+              <a:cxn ang="0">
+                <a:pos x="connsiteX14" y="connsiteY14"/>
+              </a:cxn>
+              <a:cxn ang="0">
+                <a:pos x="connsiteX15" y="connsiteY15"/>
+              </a:cxn>
+              <a:cxn ang="0">
+                <a:pos x="connsiteX16" y="connsiteY16"/>
+              </a:cxn>
+              <a:cxn ang="0">
+                <a:pos x="connsiteX17" y="connsiteY17"/>
+              </a:cxn>
+              <a:cxn ang="0">
+                <a:pos x="connsiteX18" y="connsiteY18"/>
+              </a:cxn>
+              <a:cxn ang="0">
+                <a:pos x="connsiteX19" y="connsiteY19"/>
+              </a:cxn>
+              <a:cxn ang="0">
+                <a:pos x="connsiteX20" y="connsiteY20"/>
+              </a:cxn>
+              <a:cxn ang="0">
+                <a:pos x="connsiteX21" y="connsiteY21"/>
+              </a:cxn>
+              <a:cxn ang="0">
+                <a:pos x="connsiteX22" y="connsiteY22"/>
+              </a:cxn>
+              <a:cxn ang="0">
+                <a:pos x="connsiteX23" y="connsiteY23"/>
+              </a:cxn>
+              <a:cxn ang="0">
+                <a:pos x="connsiteX24" y="connsiteY24"/>
+              </a:cxn>
+              <a:cxn ang="0">
+                <a:pos x="connsiteX25" y="connsiteY25"/>
+              </a:cxn>
+              <a:cxn ang="0">
+                <a:pos x="connsiteX26" y="connsiteY26"/>
+              </a:cxn>
+              <a:cxn ang="0">
+                <a:pos x="connsiteX27" y="connsiteY27"/>
+              </a:cxn>
+              <a:cxn ang="0">
+                <a:pos x="connsiteX28" y="connsiteY28"/>
+              </a:cxn>
+              <a:cxn ang="0">
+                <a:pos x="connsiteX29" y="connsiteY29"/>
+              </a:cxn>
+              <a:cxn ang="0">
+                <a:pos x="connsiteX30" y="connsiteY30"/>
+              </a:cxn>
+              <a:cxn ang="0">
+                <a:pos x="connsiteX31" y="connsiteY31"/>
+              </a:cxn>
+              <a:cxn ang="0">
+                <a:pos x="connsiteX32" y="connsiteY32"/>
+              </a:cxn>
+              <a:cxn ang="0">
+                <a:pos x="connsiteX33" y="connsiteY33"/>
+              </a:cxn>
+              <a:cxn ang="0">
+                <a:pos x="connsiteX34" y="connsiteY34"/>
+              </a:cxn>
+              <a:cxn ang="0">
+                <a:pos x="connsiteX35" y="connsiteY35"/>
+              </a:cxn>
+              <a:cxn ang="0">
+                <a:pos x="connsiteX36" y="connsiteY36"/>
+              </a:cxn>
+            </a:cxnLst>
+            <a:rect l="l" t="t" r="r" b="b"/>
+            <a:pathLst>
+              <a:path w="3472060" h="825932">
+                <a:moveTo>
+                  <a:pt x="3470310" y="0"/>
+                </a:moveTo>
+                <a:lnTo>
+                  <a:pt x="3472060" y="12850"/>
+                </a:lnTo>
+                <a:lnTo>
+                  <a:pt x="3472060" y="480529"/>
+                </a:lnTo>
+                <a:lnTo>
+                  <a:pt x="3363699" y="498471"/>
+                </a:lnTo>
+                <a:cubicBezTo>
+                  <a:pt x="2435623" y="645518"/>
+                  <a:pt x="603076" y="844866"/>
+                  <a:pt x="42060" y="824486"/>
+                </a:cubicBezTo>
+                <a:cubicBezTo>
+                  <a:pt x="28151" y="802425"/>
+                  <a:pt x="13909" y="780513"/>
+                  <a:pt x="0" y="758452"/>
+                </a:cubicBezTo>
+                <a:lnTo>
+                  <a:pt x="188014" y="735602"/>
+                </a:lnTo>
+                <a:lnTo>
+                  <a:pt x="284087" y="722590"/>
+                </a:lnTo>
+                <a:lnTo>
+                  <a:pt x="382288" y="709392"/>
+                </a:lnTo>
+                <a:lnTo>
+                  <a:pt x="481858" y="695774"/>
+                </a:lnTo>
+                <a:lnTo>
+                  <a:pt x="581897" y="680711"/>
+                </a:lnTo>
+                <a:lnTo>
+                  <a:pt x="683670" y="665256"/>
+                </a:lnTo>
+                <a:lnTo>
+                  <a:pt x="787206" y="649587"/>
+                </a:lnTo>
+                <a:lnTo>
+                  <a:pt x="892019" y="632968"/>
+                </a:lnTo>
+                <a:lnTo>
+                  <a:pt x="997620" y="614667"/>
+                </a:lnTo>
+                <a:lnTo>
+                  <a:pt x="1104727" y="596741"/>
+                </a:lnTo>
+                <a:lnTo>
+                  <a:pt x="1212669" y="577397"/>
+                </a:lnTo>
+                <a:lnTo>
+                  <a:pt x="1321506" y="556988"/>
+                </a:lnTo>
+                <a:lnTo>
+                  <a:pt x="1430709" y="536607"/>
+                </a:lnTo>
+                <a:lnTo>
+                  <a:pt x="1541050" y="514481"/>
+                </a:lnTo>
+                <a:lnTo>
+                  <a:pt x="1652805" y="492202"/>
+                </a:lnTo>
+                <a:lnTo>
+                  <a:pt x="1763708" y="469161"/>
+                </a:lnTo>
+                <a:lnTo>
+                  <a:pt x="1875795" y="444641"/>
+                </a:lnTo>
+                <a:lnTo>
+                  <a:pt x="1989128" y="418995"/>
+                </a:lnTo>
+                <a:lnTo>
+                  <a:pt x="2102476" y="393438"/>
+                </a:lnTo>
+                <a:lnTo>
+                  <a:pt x="2215549" y="366291"/>
+                </a:lnTo>
+                <a:lnTo>
+                  <a:pt x="2330490" y="337455"/>
+                </a:lnTo>
+                <a:lnTo>
+                  <a:pt x="2443333" y="308983"/>
+                </a:lnTo>
+                <a:lnTo>
+                  <a:pt x="2558014" y="278646"/>
+                </a:lnTo>
+                <a:lnTo>
+                  <a:pt x="2673621" y="247421"/>
+                </a:lnTo>
+                <a:lnTo>
+                  <a:pt x="2787008" y="215853"/>
+                </a:lnTo>
+                <a:lnTo>
+                  <a:pt x="2901442" y="182011"/>
+                </a:lnTo>
+                <a:lnTo>
+                  <a:pt x="3015722" y="147286"/>
+                </a:lnTo>
+                <a:lnTo>
+                  <a:pt x="3130018" y="112649"/>
+                </a:lnTo>
+                <a:lnTo>
+                  <a:pt x="3243551" y="75688"/>
+                </a:lnTo>
+                <a:lnTo>
+                  <a:pt x="3356992" y="38197"/>
+                </a:lnTo>
+                <a:lnTo>
+                  <a:pt x="3470310" y="0"/>
+                </a:lnTo>
+                <a:close/>
+              </a:path>
+            </a:pathLst>
+          </a:custGeom>
+          <a:solidFill>
+            <a:schemeClr val="bg1">
+              <a:alpha val="20000"/>
+            </a:schemeClr>
+          </a:solidFill>
+          <a:ln>
+            <a:noFill/>
+          </a:ln>
+        </p:spPr>
+        <p:txBody>
+          <a:bodyPr rtlCol="0" anchor="ctr"/>
+          <a:lstStyle/>
+          <a:p>
+            <a:pPr algn="ctr"/>
+            <a:endParaRPr lang="en-US">
+              <a:solidFill>
+                <a:schemeClr val="tx1"/>
+              </a:solidFill>
+            </a:endParaRPr>
+          </a:p>
+        </p:txBody>
+      </p:sp>
+      <p:sp>
+        <p:nvSpPr>
+          <p:cNvPr id="2" name="Title 1">
+            <a:extLst>
+              <a:ext uri="{FF2B5EF4-FFF2-40B4-BE49-F238E27FC236}">
+                <a16:creationId xmlns:a16="http://schemas.microsoft.com/office/drawing/2014/main" id="{FD5E6F3C-D209-4A0D-84EC-FDD145A2852B}"/>
+              </a:ext>
+            </a:extLst>
+          </p:cNvPr>
+          <p:cNvSpPr>
+            <a:spLocks noGrp="1"/>
+          </p:cNvSpPr>
+          <p:nvPr>
+            <p:ph type="title"/>
+          </p:nvPr>
+        </p:nvSpPr>
+        <p:spPr>
+          <a:xfrm>
+            <a:off x="648930" y="629267"/>
+            <a:ext cx="9252154" cy="1016654"/>
+          </a:xfrm>
+        </p:spPr>
+        <p:txBody>
+          <a:bodyPr>
+            <a:normAutofit/>
+          </a:bodyPr>
+          <a:lstStyle/>
+          <a:p>
+            <a:r>
+              <a:rPr lang="en-US" sz="5000" dirty="0">
+                <a:solidFill>
+                  <a:srgbClr val="EBEBEB"/>
+                </a:solidFill>
+              </a:rPr>
+              <a:t>Administrative Functions</a:t>
+            </a:r>
+          </a:p>
+        </p:txBody>
+      </p:sp>
+      <p:sp>
+        <p:nvSpPr>
+          <p:cNvPr id="13" name="Rectangle 12">
+            <a:extLst>
+              <a:ext uri="{FF2B5EF4-FFF2-40B4-BE49-F238E27FC236}">
+                <a16:creationId xmlns:a16="http://schemas.microsoft.com/office/drawing/2014/main" id="{12F7E335-851A-4CAE-B09F-E657819D4600}"/>
+              </a:ext>
+              <a:ext uri="{C183D7F6-B498-43B3-948B-1728B52AA6E4}">
+                <adec:decorative xmlns:adec="http://schemas.microsoft.com/office/drawing/2017/decorative" val="1"/>
+              </a:ext>
+            </a:extLst>
+          </p:cNvPr>
+          <p:cNvSpPr>
+            <a:spLocks noGrp="1" noRot="1" noChangeAspect="1" noMove="1" noResize="1" noEditPoints="1" noAdjustHandles="1" noChangeArrowheads="1" noChangeShapeType="1" noTextEdit="1"/>
+          </p:cNvSpPr>
+          <p:nvPr>
+            <p:extLst>
+              <p:ext uri="{386F3935-93C4-4BCD-93E2-E3B085C9AB24}">
+                <p16:designElem xmlns:p16="http://schemas.microsoft.com/office/powerpoint/2015/main" val="1"/>
+              </p:ext>
+            </p:extLst>
+          </p:nvPr>
+        </p:nvSpPr>
+        <p:spPr>
+          <a:xfrm>
+            <a:off x="10437812" y="0"/>
+            <a:ext cx="685800" cy="1143000"/>
+          </a:xfrm>
+          <a:prstGeom prst="rect">
+            <a:avLst/>
+          </a:prstGeom>
+          <a:solidFill>
+            <a:schemeClr val="accent1"/>
+          </a:solidFill>
+          <a:ln>
+            <a:noFill/>
+          </a:ln>
+        </p:spPr>
+        <p:style>
+          <a:lnRef idx="1">
+            <a:schemeClr val="accent1"/>
+          </a:lnRef>
+          <a:fillRef idx="3">
+            <a:schemeClr val="accent1"/>
+          </a:fillRef>
+          <a:effectRef idx="2">
+            <a:schemeClr val="accent1"/>
+          </a:effectRef>
+          <a:fontRef idx="minor">
+            <a:schemeClr val="lt1"/>
+          </a:fontRef>
+        </p:style>
+      </p:sp>
+      <p:sp>
+        <p:nvSpPr>
+          <p:cNvPr id="15" name="Freeform: Shape 14">
+            <a:extLst>
+              <a:ext uri="{FF2B5EF4-FFF2-40B4-BE49-F238E27FC236}">
+                <a16:creationId xmlns:a16="http://schemas.microsoft.com/office/drawing/2014/main" id="{10B541F0-7F6E-402E-84D8-CF96EACA5FBC}"/>
+              </a:ext>
+              <a:ext uri="{C183D7F6-B498-43B3-948B-1728B52AA6E4}">
+                <adec:decorative xmlns:adec="http://schemas.microsoft.com/office/drawing/2017/decorative" val="1"/>
+              </a:ext>
+            </a:extLst>
+          </p:cNvPr>
+          <p:cNvSpPr>
+            <a:spLocks noGrp="1" noRot="1" noChangeAspect="1" noMove="1" noResize="1" noEditPoints="1" noAdjustHandles="1" noChangeArrowheads="1" noChangeShapeType="1" noTextEdit="1"/>
+          </p:cNvSpPr>
+          <p:nvPr>
+            <p:extLst>
+              <p:ext uri="{386F3935-93C4-4BCD-93E2-E3B085C9AB24}">
+                <p16:designElem xmlns:p16="http://schemas.microsoft.com/office/powerpoint/2015/main" val="1"/>
+              </p:ext>
+            </p:extLst>
+          </p:nvPr>
+        </p:nvSpPr>
+        <p:spPr bwMode="gray">
+          <a:xfrm>
+            <a:off x="-1" y="1762067"/>
+            <a:ext cx="12192418" cy="5095933"/>
+          </a:xfrm>
+          <a:custGeom>
+            <a:avLst/>
+            <a:gdLst>
+              <a:gd name="connsiteX0" fmla="*/ 1 w 12192418"/>
+              <a:gd name="connsiteY0" fmla="*/ 0 h 5095933"/>
+              <a:gd name="connsiteX1" fmla="*/ 71932 w 12192418"/>
+              <a:gd name="connsiteY1" fmla="*/ 12261 h 5095933"/>
+              <a:gd name="connsiteX2" fmla="*/ 282849 w 12192418"/>
+              <a:gd name="connsiteY2" fmla="*/ 48343 h 5095933"/>
+              <a:gd name="connsiteX3" fmla="*/ 436464 w 12192418"/>
+              <a:gd name="connsiteY3" fmla="*/ 73565 h 5095933"/>
+              <a:gd name="connsiteX4" fmla="*/ 619339 w 12192418"/>
+              <a:gd name="connsiteY4" fmla="*/ 100188 h 5095933"/>
+              <a:gd name="connsiteX5" fmla="*/ 836351 w 12192418"/>
+              <a:gd name="connsiteY5" fmla="*/ 132066 h 5095933"/>
+              <a:gd name="connsiteX6" fmla="*/ 1076528 w 12192418"/>
+              <a:gd name="connsiteY6" fmla="*/ 165696 h 5095933"/>
+              <a:gd name="connsiteX7" fmla="*/ 1347184 w 12192418"/>
+              <a:gd name="connsiteY7" fmla="*/ 201077 h 5095933"/>
+              <a:gd name="connsiteX8" fmla="*/ 1642223 w 12192418"/>
+              <a:gd name="connsiteY8" fmla="*/ 238560 h 5095933"/>
+              <a:gd name="connsiteX9" fmla="*/ 1962864 w 12192418"/>
+              <a:gd name="connsiteY9" fmla="*/ 276043 h 5095933"/>
+              <a:gd name="connsiteX10" fmla="*/ 2304232 w 12192418"/>
+              <a:gd name="connsiteY10" fmla="*/ 314227 h 5095933"/>
+              <a:gd name="connsiteX11" fmla="*/ 2672421 w 12192418"/>
+              <a:gd name="connsiteY11" fmla="*/ 349608 h 5095933"/>
+              <a:gd name="connsiteX12" fmla="*/ 3057678 w 12192418"/>
+              <a:gd name="connsiteY12" fmla="*/ 383588 h 5095933"/>
+              <a:gd name="connsiteX13" fmla="*/ 3464881 w 12192418"/>
+              <a:gd name="connsiteY13" fmla="*/ 414415 h 5095933"/>
+              <a:gd name="connsiteX14" fmla="*/ 3889152 w 12192418"/>
+              <a:gd name="connsiteY14" fmla="*/ 443841 h 5095933"/>
+              <a:gd name="connsiteX15" fmla="*/ 4331710 w 12192418"/>
+              <a:gd name="connsiteY15" fmla="*/ 471515 h 5095933"/>
+              <a:gd name="connsiteX16" fmla="*/ 4558476 w 12192418"/>
+              <a:gd name="connsiteY16" fmla="*/ 481324 h 5095933"/>
+              <a:gd name="connsiteX17" fmla="*/ 4790118 w 12192418"/>
+              <a:gd name="connsiteY17" fmla="*/ 492183 h 5095933"/>
+              <a:gd name="connsiteX18" fmla="*/ 5025418 w 12192418"/>
+              <a:gd name="connsiteY18" fmla="*/ 502342 h 5095933"/>
+              <a:gd name="connsiteX19" fmla="*/ 5261937 w 12192418"/>
+              <a:gd name="connsiteY19" fmla="*/ 508998 h 5095933"/>
+              <a:gd name="connsiteX20" fmla="*/ 5503332 w 12192418"/>
+              <a:gd name="connsiteY20" fmla="*/ 514953 h 5095933"/>
+              <a:gd name="connsiteX21" fmla="*/ 5747167 w 12192418"/>
+              <a:gd name="connsiteY21" fmla="*/ 521259 h 5095933"/>
+              <a:gd name="connsiteX22" fmla="*/ 5995877 w 12192418"/>
+              <a:gd name="connsiteY22" fmla="*/ 525463 h 5095933"/>
+              <a:gd name="connsiteX23" fmla="*/ 6247026 w 12192418"/>
+              <a:gd name="connsiteY23" fmla="*/ 525463 h 5095933"/>
+              <a:gd name="connsiteX24" fmla="*/ 6500613 w 12192418"/>
+              <a:gd name="connsiteY24" fmla="*/ 527565 h 5095933"/>
+              <a:gd name="connsiteX25" fmla="*/ 6756639 w 12192418"/>
+              <a:gd name="connsiteY25" fmla="*/ 525463 h 5095933"/>
+              <a:gd name="connsiteX26" fmla="*/ 7016322 w 12192418"/>
+              <a:gd name="connsiteY26" fmla="*/ 521259 h 5095933"/>
+              <a:gd name="connsiteX27" fmla="*/ 7276005 w 12192418"/>
+              <a:gd name="connsiteY27" fmla="*/ 517406 h 5095933"/>
+              <a:gd name="connsiteX28" fmla="*/ 7539345 w 12192418"/>
+              <a:gd name="connsiteY28" fmla="*/ 508998 h 5095933"/>
+              <a:gd name="connsiteX29" fmla="*/ 7805124 w 12192418"/>
+              <a:gd name="connsiteY29" fmla="*/ 500241 h 5095933"/>
+              <a:gd name="connsiteX30" fmla="*/ 8070903 w 12192418"/>
+              <a:gd name="connsiteY30" fmla="*/ 490082 h 5095933"/>
+              <a:gd name="connsiteX31" fmla="*/ 8339121 w 12192418"/>
+              <a:gd name="connsiteY31" fmla="*/ 475719 h 5095933"/>
+              <a:gd name="connsiteX32" fmla="*/ 8609776 w 12192418"/>
+              <a:gd name="connsiteY32" fmla="*/ 458554 h 5095933"/>
+              <a:gd name="connsiteX33" fmla="*/ 8881651 w 12192418"/>
+              <a:gd name="connsiteY33" fmla="*/ 442089 h 5095933"/>
+              <a:gd name="connsiteX34" fmla="*/ 9153526 w 12192418"/>
+              <a:gd name="connsiteY34" fmla="*/ 421071 h 5095933"/>
+              <a:gd name="connsiteX35" fmla="*/ 9429058 w 12192418"/>
+              <a:gd name="connsiteY35" fmla="*/ 395849 h 5095933"/>
+              <a:gd name="connsiteX36" fmla="*/ 9700933 w 12192418"/>
+              <a:gd name="connsiteY36" fmla="*/ 370626 h 5095933"/>
+              <a:gd name="connsiteX37" fmla="*/ 9977684 w 12192418"/>
+              <a:gd name="connsiteY37" fmla="*/ 341551 h 5095933"/>
+              <a:gd name="connsiteX38" fmla="*/ 10255655 w 12192418"/>
+              <a:gd name="connsiteY38" fmla="*/ 309673 h 5095933"/>
+              <a:gd name="connsiteX39" fmla="*/ 10529968 w 12192418"/>
+              <a:gd name="connsiteY39" fmla="*/ 276043 h 5095933"/>
+              <a:gd name="connsiteX40" fmla="*/ 10807939 w 12192418"/>
+              <a:gd name="connsiteY40" fmla="*/ 236809 h 5095933"/>
+              <a:gd name="connsiteX41" fmla="*/ 11084690 w 12192418"/>
+              <a:gd name="connsiteY41" fmla="*/ 194772 h 5095933"/>
+              <a:gd name="connsiteX42" fmla="*/ 11362661 w 12192418"/>
+              <a:gd name="connsiteY42" fmla="*/ 153085 h 5095933"/>
+              <a:gd name="connsiteX43" fmla="*/ 11639412 w 12192418"/>
+              <a:gd name="connsiteY43" fmla="*/ 104392 h 5095933"/>
+              <a:gd name="connsiteX44" fmla="*/ 11914945 w 12192418"/>
+              <a:gd name="connsiteY44" fmla="*/ 54648 h 5095933"/>
+              <a:gd name="connsiteX45" fmla="*/ 12191696 w 12192418"/>
+              <a:gd name="connsiteY45" fmla="*/ 2452 h 5095933"/>
+              <a:gd name="connsiteX46" fmla="*/ 12191696 w 12192418"/>
+              <a:gd name="connsiteY46" fmla="*/ 2109542 h 5095933"/>
+              <a:gd name="connsiteX47" fmla="*/ 12191999 w 12192418"/>
+              <a:gd name="connsiteY47" fmla="*/ 2109542 h 5095933"/>
+              <a:gd name="connsiteX48" fmla="*/ 12191999 w 12192418"/>
+              <a:gd name="connsiteY48" fmla="*/ 2802467 h 5095933"/>
+              <a:gd name="connsiteX49" fmla="*/ 12192418 w 12192418"/>
+              <a:gd name="connsiteY49" fmla="*/ 2802467 h 5095933"/>
+              <a:gd name="connsiteX50" fmla="*/ 12192418 w 12192418"/>
+              <a:gd name="connsiteY50" fmla="*/ 5095933 h 5095933"/>
+              <a:gd name="connsiteX51" fmla="*/ 1 w 12192418"/>
+              <a:gd name="connsiteY51" fmla="*/ 5095933 h 5095933"/>
+              <a:gd name="connsiteX52" fmla="*/ 1 w 12192418"/>
+              <a:gd name="connsiteY52" fmla="*/ 4074529 h 5095933"/>
+              <a:gd name="connsiteX53" fmla="*/ 0 w 12192418"/>
+              <a:gd name="connsiteY53" fmla="*/ 4074529 h 5095933"/>
+              <a:gd name="connsiteX54" fmla="*/ 0 w 12192418"/>
+              <a:gd name="connsiteY54" fmla="*/ 2109542 h 5095933"/>
+              <a:gd name="connsiteX55" fmla="*/ 1 w 12192418"/>
+              <a:gd name="connsiteY55" fmla="*/ 2109542 h 5095933"/>
+            </a:gdLst>
+            <a:ahLst/>
+            <a:cxnLst>
+              <a:cxn ang="0">
+                <a:pos x="connsiteX0" y="connsiteY0"/>
+              </a:cxn>
+              <a:cxn ang="0">
+                <a:pos x="connsiteX1" y="connsiteY1"/>
+              </a:cxn>
+              <a:cxn ang="0">
+                <a:pos x="connsiteX2" y="connsiteY2"/>
+              </a:cxn>
+              <a:cxn ang="0">
+                <a:pos x="connsiteX3" y="connsiteY3"/>
+              </a:cxn>
+              <a:cxn ang="0">
+                <a:pos x="connsiteX4" y="connsiteY4"/>
+              </a:cxn>
+              <a:cxn ang="0">
+                <a:pos x="connsiteX5" y="connsiteY5"/>
+              </a:cxn>
+              <a:cxn ang="0">
+                <a:pos x="connsiteX6" y="connsiteY6"/>
+              </a:cxn>
+              <a:cxn ang="0">
+                <a:pos x="connsiteX7" y="connsiteY7"/>
+              </a:cxn>
+              <a:cxn ang="0">
+                <a:pos x="connsiteX8" y="connsiteY8"/>
+              </a:cxn>
+              <a:cxn ang="0">
+                <a:pos x="connsiteX9" y="connsiteY9"/>
+              </a:cxn>
+              <a:cxn ang="0">
+                <a:pos x="connsiteX10" y="connsiteY10"/>
+              </a:cxn>
+              <a:cxn ang="0">
+                <a:pos x="connsiteX11" y="connsiteY11"/>
+              </a:cxn>
+              <a:cxn ang="0">
+                <a:pos x="connsiteX12" y="connsiteY12"/>
+              </a:cxn>
+              <a:cxn ang="0">
+                <a:pos x="connsiteX13" y="connsiteY13"/>
+              </a:cxn>
+              <a:cxn ang="0">
+                <a:pos x="connsiteX14" y="connsiteY14"/>
+              </a:cxn>
+              <a:cxn ang="0">
+                <a:pos x="connsiteX15" y="connsiteY15"/>
+              </a:cxn>
+              <a:cxn ang="0">
+                <a:pos x="connsiteX16" y="connsiteY16"/>
+              </a:cxn>
+              <a:cxn ang="0">
+                <a:pos x="connsiteX17" y="connsiteY17"/>
+              </a:cxn>
+              <a:cxn ang="0">
+                <a:pos x="connsiteX18" y="connsiteY18"/>
+              </a:cxn>
+              <a:cxn ang="0">
+                <a:pos x="connsiteX19" y="connsiteY19"/>
+              </a:cxn>
+              <a:cxn ang="0">
+                <a:pos x="connsiteX20" y="connsiteY20"/>
+              </a:cxn>
+              <a:cxn ang="0">
+                <a:pos x="connsiteX21" y="connsiteY21"/>
+              </a:cxn>
+              <a:cxn ang="0">
+                <a:pos x="connsiteX22" y="connsiteY22"/>
+              </a:cxn>
+              <a:cxn ang="0">
+                <a:pos x="connsiteX23" y="connsiteY23"/>
+              </a:cxn>
+              <a:cxn ang="0">
+                <a:pos x="connsiteX24" y="connsiteY24"/>
+              </a:cxn>
+              <a:cxn ang="0">
+                <a:pos x="connsiteX25" y="connsiteY25"/>
+              </a:cxn>
+              <a:cxn ang="0">
+                <a:pos x="connsiteX26" y="connsiteY26"/>
+              </a:cxn>
+              <a:cxn ang="0">
+                <a:pos x="connsiteX27" y="connsiteY27"/>
+              </a:cxn>
+              <a:cxn ang="0">
+                <a:pos x="connsiteX28" y="connsiteY28"/>
+              </a:cxn>
+              <a:cxn ang="0">
+                <a:pos x="connsiteX29" y="connsiteY29"/>
+              </a:cxn>
+              <a:cxn ang="0">
+                <a:pos x="connsiteX30" y="connsiteY30"/>
+              </a:cxn>
+              <a:cxn ang="0">
+                <a:pos x="connsiteX31" y="connsiteY31"/>
+              </a:cxn>
+              <a:cxn ang="0">
+                <a:pos x="connsiteX32" y="connsiteY32"/>
+              </a:cxn>
+              <a:cxn ang="0">
+                <a:pos x="connsiteX33" y="connsiteY33"/>
+              </a:cxn>
+              <a:cxn ang="0">
+                <a:pos x="connsiteX34" y="connsiteY34"/>
+              </a:cxn>
+              <a:cxn ang="0">
+                <a:pos x="connsiteX35" y="connsiteY35"/>
+              </a:cxn>
+              <a:cxn ang="0">
+                <a:pos x="connsiteX36" y="connsiteY36"/>
+              </a:cxn>
+              <a:cxn ang="0">
+                <a:pos x="connsiteX37" y="connsiteY37"/>
+              </a:cxn>
+              <a:cxn ang="0">
+                <a:pos x="connsiteX38" y="connsiteY38"/>
+              </a:cxn>
+              <a:cxn ang="0">
+                <a:pos x="connsiteX39" y="connsiteY39"/>
+              </a:cxn>
+              <a:cxn ang="0">
+                <a:pos x="connsiteX40" y="connsiteY40"/>
+              </a:cxn>
+              <a:cxn ang="0">
+                <a:pos x="connsiteX41" y="connsiteY41"/>
+              </a:cxn>
+              <a:cxn ang="0">
+                <a:pos x="connsiteX42" y="connsiteY42"/>
+              </a:cxn>
+              <a:cxn ang="0">
+                <a:pos x="connsiteX43" y="connsiteY43"/>
+              </a:cxn>
+              <a:cxn ang="0">
+                <a:pos x="connsiteX44" y="connsiteY44"/>
+              </a:cxn>
+              <a:cxn ang="0">
+                <a:pos x="connsiteX45" y="connsiteY45"/>
+              </a:cxn>
+              <a:cxn ang="0">
+                <a:pos x="connsiteX46" y="connsiteY46"/>
+              </a:cxn>
+              <a:cxn ang="0">
+                <a:pos x="connsiteX47" y="connsiteY47"/>
+              </a:cxn>
+              <a:cxn ang="0">
+                <a:pos x="connsiteX48" y="connsiteY48"/>
+              </a:cxn>
+              <a:cxn ang="0">
+                <a:pos x="connsiteX49" y="connsiteY49"/>
+              </a:cxn>
+              <a:cxn ang="0">
+                <a:pos x="connsiteX50" y="connsiteY50"/>
+              </a:cxn>
+              <a:cxn ang="0">
+                <a:pos x="connsiteX51" y="connsiteY51"/>
+              </a:cxn>
+              <a:cxn ang="0">
+                <a:pos x="connsiteX52" y="connsiteY52"/>
+              </a:cxn>
+              <a:cxn ang="0">
+                <a:pos x="connsiteX53" y="connsiteY53"/>
+              </a:cxn>
+              <a:cxn ang="0">
+                <a:pos x="connsiteX54" y="connsiteY54"/>
+              </a:cxn>
+              <a:cxn ang="0">
+                <a:pos x="connsiteX55" y="connsiteY55"/>
+              </a:cxn>
+            </a:cxnLst>
+            <a:rect l="l" t="t" r="r" b="b"/>
+            <a:pathLst>
+              <a:path w="12192418" h="5095933">
+                <a:moveTo>
+                  <a:pt x="1" y="0"/>
+                </a:moveTo>
+                <a:lnTo>
+                  <a:pt x="71932" y="12261"/>
+                </a:lnTo>
+                <a:lnTo>
+                  <a:pt x="282849" y="48343"/>
+                </a:lnTo>
+                <a:lnTo>
+                  <a:pt x="436464" y="73565"/>
+                </a:lnTo>
+                <a:lnTo>
+                  <a:pt x="619339" y="100188"/>
+                </a:lnTo>
+                <a:lnTo>
+                  <a:pt x="836351" y="132066"/>
+                </a:lnTo>
+                <a:lnTo>
+                  <a:pt x="1076528" y="165696"/>
+                </a:lnTo>
+                <a:lnTo>
+                  <a:pt x="1347184" y="201077"/>
+                </a:lnTo>
+                <a:lnTo>
+                  <a:pt x="1642223" y="238560"/>
+                </a:lnTo>
+                <a:lnTo>
+                  <a:pt x="1962864" y="276043"/>
+                </a:lnTo>
+                <a:lnTo>
+                  <a:pt x="2304232" y="314227"/>
+                </a:lnTo>
+                <a:lnTo>
+                  <a:pt x="2672421" y="349608"/>
+                </a:lnTo>
+                <a:lnTo>
+                  <a:pt x="3057678" y="383588"/>
+                </a:lnTo>
+                <a:lnTo>
+                  <a:pt x="3464881" y="414415"/>
+                </a:lnTo>
+                <a:lnTo>
+                  <a:pt x="3889152" y="443841"/>
+                </a:lnTo>
+                <a:lnTo>
+                  <a:pt x="4331710" y="471515"/>
+                </a:lnTo>
+                <a:lnTo>
+                  <a:pt x="4558476" y="481324"/>
+                </a:lnTo>
+                <a:lnTo>
+                  <a:pt x="4790118" y="492183"/>
+                </a:lnTo>
+                <a:lnTo>
+                  <a:pt x="5025418" y="502342"/>
+                </a:lnTo>
+                <a:lnTo>
+                  <a:pt x="5261937" y="508998"/>
+                </a:lnTo>
+                <a:lnTo>
+                  <a:pt x="5503332" y="514953"/>
+                </a:lnTo>
+                <a:lnTo>
+                  <a:pt x="5747167" y="521259"/>
+                </a:lnTo>
+                <a:lnTo>
+                  <a:pt x="5995877" y="525463"/>
+                </a:lnTo>
+                <a:lnTo>
+                  <a:pt x="6247026" y="525463"/>
+                </a:lnTo>
+                <a:lnTo>
+                  <a:pt x="6500613" y="527565"/>
+                </a:lnTo>
+                <a:lnTo>
+                  <a:pt x="6756639" y="525463"/>
+                </a:lnTo>
+                <a:lnTo>
+                  <a:pt x="7016322" y="521259"/>
+                </a:lnTo>
+                <a:lnTo>
+                  <a:pt x="7276005" y="517406"/>
+                </a:lnTo>
+                <a:lnTo>
+                  <a:pt x="7539345" y="508998"/>
+                </a:lnTo>
+                <a:lnTo>
+                  <a:pt x="7805124" y="500241"/>
+                </a:lnTo>
+                <a:lnTo>
+                  <a:pt x="8070903" y="490082"/>
+                </a:lnTo>
+                <a:lnTo>
+                  <a:pt x="8339121" y="475719"/>
+                </a:lnTo>
+                <a:lnTo>
+                  <a:pt x="8609776" y="458554"/>
+                </a:lnTo>
+                <a:lnTo>
+                  <a:pt x="8881651" y="442089"/>
+                </a:lnTo>
+                <a:lnTo>
+                  <a:pt x="9153526" y="421071"/>
+                </a:lnTo>
+                <a:lnTo>
+                  <a:pt x="9429058" y="395849"/>
+                </a:lnTo>
+                <a:lnTo>
+                  <a:pt x="9700933" y="370626"/>
+                </a:lnTo>
+                <a:lnTo>
+                  <a:pt x="9977684" y="341551"/>
+                </a:lnTo>
+                <a:lnTo>
+                  <a:pt x="10255655" y="309673"/>
+                </a:lnTo>
+                <a:lnTo>
+                  <a:pt x="10529968" y="276043"/>
+                </a:lnTo>
+                <a:lnTo>
+                  <a:pt x="10807939" y="236809"/>
+                </a:lnTo>
+                <a:lnTo>
+                  <a:pt x="11084690" y="194772"/>
+                </a:lnTo>
+                <a:lnTo>
+                  <a:pt x="11362661" y="153085"/>
+                </a:lnTo>
+                <a:lnTo>
+                  <a:pt x="11639412" y="104392"/>
+                </a:lnTo>
+                <a:lnTo>
+                  <a:pt x="11914945" y="54648"/>
+                </a:lnTo>
+                <a:lnTo>
+                  <a:pt x="12191696" y="2452"/>
+                </a:lnTo>
+                <a:lnTo>
+                  <a:pt x="12191696" y="2109542"/>
+                </a:lnTo>
+                <a:lnTo>
+                  <a:pt x="12191999" y="2109542"/>
+                </a:lnTo>
+                <a:lnTo>
+                  <a:pt x="12191999" y="2802467"/>
+                </a:lnTo>
+                <a:lnTo>
+                  <a:pt x="12192418" y="2802467"/>
+                </a:lnTo>
+                <a:lnTo>
+                  <a:pt x="12192418" y="5095933"/>
+                </a:lnTo>
+                <a:lnTo>
+                  <a:pt x="1" y="5095933"/>
+                </a:lnTo>
+                <a:lnTo>
+                  <a:pt x="1" y="4074529"/>
+                </a:lnTo>
+                <a:lnTo>
+                  <a:pt x="0" y="4074529"/>
+                </a:lnTo>
+                <a:lnTo>
+                  <a:pt x="0" y="2109542"/>
+                </a:lnTo>
+                <a:lnTo>
+                  <a:pt x="1" y="2109542"/>
+                </a:lnTo>
+                <a:close/>
+              </a:path>
+            </a:pathLst>
+          </a:custGeom>
+          <a:solidFill>
+            <a:schemeClr val="bg1"/>
+          </a:solidFill>
+          <a:ln>
+            <a:noFill/>
+          </a:ln>
+        </p:spPr>
+      </p:sp>
+      <p:pic>
+        <p:nvPicPr>
+          <p:cNvPr id="5" name="Picture 4">
+            <a:extLst>
+              <a:ext uri="{FF2B5EF4-FFF2-40B4-BE49-F238E27FC236}">
+                <a16:creationId xmlns:a16="http://schemas.microsoft.com/office/drawing/2014/main" id="{B6A9AD5E-43D4-4366-84BD-E640B873D55E}"/>
+              </a:ext>
+            </a:extLst>
+          </p:cNvPr>
+          <p:cNvPicPr>
+            <a:picLocks noChangeAspect="1"/>
+          </p:cNvPicPr>
+          <p:nvPr/>
+        </p:nvPicPr>
+        <p:blipFill>
+          <a:blip r:embed="rId2"/>
+          <a:stretch>
+            <a:fillRect/>
+          </a:stretch>
+        </p:blipFill>
+        <p:spPr>
+          <a:xfrm>
+            <a:off x="569496" y="3053803"/>
+            <a:ext cx="11053006" cy="3036071"/>
+          </a:xfrm>
+          <a:prstGeom prst="rect">
+            <a:avLst/>
+          </a:prstGeom>
+        </p:spPr>
+      </p:pic>
+    </p:spTree>
+    <p:extLst>
+      <p:ext uri="{BB962C8B-B14F-4D97-AF65-F5344CB8AC3E}">
+        <p14:creationId xmlns:p14="http://schemas.microsoft.com/office/powerpoint/2010/main" val="4099615099"/>
+      </p:ext>
+    </p:extLst>
+  </p:cSld>
+  <p:clrMapOvr>
+    <a:overrideClrMapping bg1="lt1" tx1="dk1" bg2="lt2" tx2="dk2" accent1="accent1" accent2="accent2" accent3="accent3" accent4="accent4" accent5="accent5" accent6="accent6" hlink="hlink" folHlink="folHlink"/>
+  </p:clrMapOvr>
+</p:sld>
+</file>
+
+<file path=ppt/slides/slide8.xml><?xml version="1.0" encoding="utf-8"?>
+<p:sld xmlns:a="http://schemas.openxmlformats.org/drawingml/2006/main" xmlns:r="http://schemas.openxmlformats.org/officeDocument/2006/relationships" xmlns:p="http://schemas.openxmlformats.org/presentationml/2006/main">
+  <p:cSld>
     <p:spTree>
       <p:nvGrpSpPr>
         <p:cNvPr id="1" name=""/>
@@ -17661,1542 +19200,6 @@
   </p:cSld>
   <p:clrMapOvr>
     <a:masterClrMapping/>
-  </p:clrMapOvr>
-</p:sld>
-</file>
-
-<file path=ppt/slides/slide7.xml><?xml version="1.0" encoding="utf-8"?>
-<p:sld xmlns:a="http://schemas.openxmlformats.org/drawingml/2006/main" xmlns:r="http://schemas.openxmlformats.org/officeDocument/2006/relationships" xmlns:p="http://schemas.openxmlformats.org/presentationml/2006/main">
-  <p:cSld>
-    <p:bg>
-      <p:bgPr>
-        <a:blipFill rotWithShape="1">
-          <a:blip r:embed="rId2">
-            <a:duotone>
-              <a:schemeClr val="bg2">
-                <a:shade val="69000"/>
-                <a:hueMod val="108000"/>
-                <a:satMod val="164000"/>
-                <a:lumMod val="74000"/>
-              </a:schemeClr>
-              <a:schemeClr val="bg2">
-                <a:tint val="96000"/>
-                <a:hueMod val="88000"/>
-                <a:satMod val="140000"/>
-                <a:lumMod val="132000"/>
-              </a:schemeClr>
-            </a:duotone>
-            <a:extLst/>
-          </a:blip>
-          <a:stretch/>
-        </a:blipFill>
-        <a:effectLst/>
-      </p:bgPr>
-    </p:bg>
-    <p:spTree>
-      <p:nvGrpSpPr>
-        <p:cNvPr id="1" name=""/>
-        <p:cNvGrpSpPr/>
-        <p:nvPr/>
-      </p:nvGrpSpPr>
-      <p:grpSpPr>
-        <a:xfrm>
-          <a:off x="0" y="0"/>
-          <a:ext cx="0" cy="0"/>
-          <a:chOff x="0" y="0"/>
-          <a:chExt cx="0" cy="0"/>
-        </a:xfrm>
-      </p:grpSpPr>
-      <p:sp>
-        <p:nvSpPr>
-          <p:cNvPr id="2" name="Title 1">
-            <a:extLst>
-              <a:ext uri="{FF2B5EF4-FFF2-40B4-BE49-F238E27FC236}">
-                <a16:creationId xmlns:a16="http://schemas.microsoft.com/office/drawing/2014/main" id="{D46186C8-8AF5-4258-A684-57CF33F52F72}"/>
-              </a:ext>
-            </a:extLst>
-          </p:cNvPr>
-          <p:cNvSpPr>
-            <a:spLocks noGrp="1"/>
-          </p:cNvSpPr>
-          <p:nvPr>
-            <p:ph type="title"/>
-          </p:nvPr>
-        </p:nvSpPr>
-        <p:spPr>
-          <a:xfrm>
-            <a:off x="8091644" y="397043"/>
-            <a:ext cx="3554923" cy="6087978"/>
-          </a:xfrm>
-        </p:spPr>
-        <p:txBody>
-          <a:bodyPr vert="horz" lIns="91440" tIns="45720" rIns="91440" bIns="45720" rtlCol="0" anchor="b">
-            <a:noAutofit/>
-          </a:bodyPr>
-          <a:lstStyle/>
-          <a:p>
-            <a:pPr>
-              <a:lnSpc>
-                <a:spcPct val="90000"/>
-              </a:lnSpc>
-            </a:pPr>
-            <a:r>
-              <a:rPr lang="en-US" sz="2000" dirty="0">
-                <a:solidFill>
-                  <a:srgbClr val="EBEBEB"/>
-                </a:solidFill>
-              </a:rPr>
-              <a:t>Name: Stewart</a:t>
-            </a:r>
-            <a:br>
-              <a:rPr lang="en-US" sz="2000" dirty="0">
-                <a:solidFill>
-                  <a:srgbClr val="EBEBEB"/>
-                </a:solidFill>
-              </a:rPr>
-            </a:br>
-            <a:br>
-              <a:rPr lang="en-US" sz="2000" dirty="0">
-                <a:solidFill>
-                  <a:srgbClr val="EBEBEB"/>
-                </a:solidFill>
-              </a:rPr>
-            </a:br>
-            <a:r>
-              <a:rPr lang="en-US" sz="2000" dirty="0">
-                <a:solidFill>
-                  <a:srgbClr val="EBEBEB"/>
-                </a:solidFill>
-              </a:rPr>
-              <a:t>Background:</a:t>
-            </a:r>
-            <a:br>
-              <a:rPr lang="en-US" sz="2000" dirty="0">
-                <a:solidFill>
-                  <a:srgbClr val="EBEBEB"/>
-                </a:solidFill>
-              </a:rPr>
-            </a:br>
-            <a:r>
-              <a:rPr lang="en-US" sz="2000" dirty="0">
-                <a:solidFill>
-                  <a:srgbClr val="EBEBEB"/>
-                </a:solidFill>
-              </a:rPr>
-              <a:t>IIT Public Safety worker</a:t>
-            </a:r>
-            <a:br>
-              <a:rPr lang="en-US" sz="2000" dirty="0">
-                <a:solidFill>
-                  <a:srgbClr val="EBEBEB"/>
-                </a:solidFill>
-              </a:rPr>
-            </a:br>
-            <a:r>
-              <a:rPr lang="en-US" sz="2000" dirty="0">
-                <a:solidFill>
-                  <a:srgbClr val="EBEBEB"/>
-                </a:solidFill>
-              </a:rPr>
-              <a:t>driving a Public Safety vehicle</a:t>
-            </a:r>
-            <a:br>
-              <a:rPr lang="en-US" sz="2000" dirty="0">
-                <a:solidFill>
-                  <a:srgbClr val="EBEBEB"/>
-                </a:solidFill>
-              </a:rPr>
-            </a:br>
-            <a:r>
-              <a:rPr lang="en-US" sz="2000" dirty="0">
-                <a:solidFill>
-                  <a:srgbClr val="EBEBEB"/>
-                </a:solidFill>
-              </a:rPr>
-              <a:t>Working on-campus</a:t>
-            </a:r>
-            <a:br>
-              <a:rPr lang="en-US" sz="2000" dirty="0">
-                <a:solidFill>
-                  <a:srgbClr val="EBEBEB"/>
-                </a:solidFill>
-              </a:rPr>
-            </a:br>
-            <a:br>
-              <a:rPr lang="en-US" sz="2000" dirty="0">
-                <a:solidFill>
-                  <a:srgbClr val="EBEBEB"/>
-                </a:solidFill>
-              </a:rPr>
-            </a:br>
-            <a:r>
-              <a:rPr lang="en-US" sz="2000" dirty="0">
-                <a:solidFill>
-                  <a:srgbClr val="EBEBEB"/>
-                </a:solidFill>
-              </a:rPr>
-              <a:t>Goal:</a:t>
-            </a:r>
-            <a:br>
-              <a:rPr lang="en-US" sz="2000" dirty="0">
-                <a:solidFill>
-                  <a:srgbClr val="EBEBEB"/>
-                </a:solidFill>
-              </a:rPr>
-            </a:br>
-            <a:r>
-              <a:rPr lang="en-US" sz="2000" dirty="0">
-                <a:solidFill>
-                  <a:srgbClr val="EBEBEB"/>
-                </a:solidFill>
-              </a:rPr>
-              <a:t>Keep campus safe by reviewing and keeping the information about incidents updated.</a:t>
-            </a:r>
-            <a:br>
-              <a:rPr lang="en-US" sz="2000" dirty="0">
-                <a:solidFill>
-                  <a:srgbClr val="EBEBEB"/>
-                </a:solidFill>
-              </a:rPr>
-            </a:br>
-            <a:r>
-              <a:rPr lang="en-US" sz="2000" dirty="0">
-                <a:solidFill>
-                  <a:srgbClr val="EBEBEB"/>
-                </a:solidFill>
-              </a:rPr>
-              <a:t>Monitors and responds to reported incidents</a:t>
-            </a:r>
-            <a:br>
-              <a:rPr lang="en-US" sz="2000" dirty="0">
-                <a:solidFill>
-                  <a:srgbClr val="EBEBEB"/>
-                </a:solidFill>
-              </a:rPr>
-            </a:br>
-            <a:r>
-              <a:rPr lang="en-US" sz="2000" dirty="0">
-                <a:solidFill>
-                  <a:srgbClr val="EBEBEB"/>
-                </a:solidFill>
-              </a:rPr>
-              <a:t>Develops the safety plans based on incidents reports</a:t>
-            </a:r>
-            <a:br>
-              <a:rPr lang="en-US" sz="2000" dirty="0">
-                <a:solidFill>
-                  <a:srgbClr val="EBEBEB"/>
-                </a:solidFill>
-              </a:rPr>
-            </a:br>
-            <a:r>
-              <a:rPr lang="en-US" sz="2000" dirty="0">
-                <a:solidFill>
-                  <a:srgbClr val="EBEBEB"/>
-                </a:solidFill>
-              </a:rPr>
-              <a:t>Analyze hotspots for incidents / hazards</a:t>
-            </a:r>
-          </a:p>
-        </p:txBody>
-      </p:sp>
-      <p:pic>
-        <p:nvPicPr>
-          <p:cNvPr id="4" name="Picture 3">
-            <a:extLst>
-              <a:ext uri="{FF2B5EF4-FFF2-40B4-BE49-F238E27FC236}">
-                <a16:creationId xmlns:a16="http://schemas.microsoft.com/office/drawing/2014/main" id="{321945A5-3707-40E3-B523-2A4CEC72C4BD}"/>
-              </a:ext>
-            </a:extLst>
-          </p:cNvPr>
-          <p:cNvPicPr>
-            <a:picLocks noChangeAspect="1"/>
-          </p:cNvPicPr>
-          <p:nvPr/>
-        </p:nvPicPr>
-        <p:blipFill rotWithShape="1">
-          <a:blip r:embed="rId3"/>
-          <a:srcRect l="8055" r="24055"/>
-          <a:stretch/>
-        </p:blipFill>
-        <p:spPr>
-          <a:xfrm>
-            <a:off x="20" y="10"/>
-            <a:ext cx="7759920" cy="6857991"/>
-          </a:xfrm>
-          <a:custGeom>
-            <a:avLst/>
-            <a:gdLst/>
-            <a:ahLst/>
-            <a:cxnLst/>
-            <a:rect l="l" t="t" r="r" b="b"/>
-            <a:pathLst>
-              <a:path w="7759940" h="6858001">
-                <a:moveTo>
-                  <a:pt x="0" y="0"/>
-                </a:moveTo>
-                <a:lnTo>
-                  <a:pt x="1296537" y="0"/>
-                </a:lnTo>
-                <a:lnTo>
-                  <a:pt x="1296537" y="1"/>
-                </a:lnTo>
-                <a:lnTo>
-                  <a:pt x="6415225" y="1"/>
-                </a:lnTo>
-                <a:lnTo>
-                  <a:pt x="6415225" y="0"/>
-                </a:lnTo>
-                <a:lnTo>
-                  <a:pt x="7758763" y="0"/>
-                </a:lnTo>
-                <a:lnTo>
-                  <a:pt x="7733718" y="155677"/>
-                </a:lnTo>
-                <a:lnTo>
-                  <a:pt x="7709849" y="310668"/>
-                </a:lnTo>
-                <a:lnTo>
-                  <a:pt x="7686485" y="466344"/>
-                </a:lnTo>
-                <a:lnTo>
-                  <a:pt x="7666482" y="622707"/>
-                </a:lnTo>
-                <a:lnTo>
-                  <a:pt x="7646311" y="778383"/>
-                </a:lnTo>
-                <a:lnTo>
-                  <a:pt x="7627485" y="934746"/>
-                </a:lnTo>
-                <a:lnTo>
-                  <a:pt x="7611349" y="1089051"/>
-                </a:lnTo>
-                <a:lnTo>
-                  <a:pt x="7596053" y="1245413"/>
-                </a:lnTo>
-                <a:lnTo>
-                  <a:pt x="7582101" y="1401090"/>
-                </a:lnTo>
-                <a:lnTo>
-                  <a:pt x="7569999" y="1554023"/>
-                </a:lnTo>
-                <a:lnTo>
-                  <a:pt x="7557896" y="1709014"/>
-                </a:lnTo>
-                <a:lnTo>
-                  <a:pt x="7547811" y="1861947"/>
-                </a:lnTo>
-                <a:lnTo>
-                  <a:pt x="7539911" y="2014881"/>
-                </a:lnTo>
-                <a:lnTo>
-                  <a:pt x="7531674" y="2167128"/>
-                </a:lnTo>
-                <a:lnTo>
-                  <a:pt x="7524783" y="2318004"/>
-                </a:lnTo>
-                <a:lnTo>
-                  <a:pt x="7519908" y="2467509"/>
-                </a:lnTo>
-                <a:lnTo>
-                  <a:pt x="7515706" y="2617013"/>
-                </a:lnTo>
-                <a:lnTo>
-                  <a:pt x="7511672" y="2765146"/>
-                </a:lnTo>
-                <a:lnTo>
-                  <a:pt x="7509823" y="2911221"/>
-                </a:lnTo>
-                <a:lnTo>
-                  <a:pt x="7507806" y="3057297"/>
-                </a:lnTo>
-                <a:lnTo>
-                  <a:pt x="7506797" y="3201315"/>
-                </a:lnTo>
-                <a:lnTo>
-                  <a:pt x="7507806" y="3343961"/>
-                </a:lnTo>
-                <a:lnTo>
-                  <a:pt x="7507806" y="3485236"/>
-                </a:lnTo>
-                <a:lnTo>
-                  <a:pt x="7509823" y="3625139"/>
-                </a:lnTo>
-                <a:lnTo>
-                  <a:pt x="7512848" y="3762299"/>
-                </a:lnTo>
-                <a:lnTo>
-                  <a:pt x="7515706" y="3898087"/>
-                </a:lnTo>
-                <a:lnTo>
-                  <a:pt x="7518900" y="4031133"/>
-                </a:lnTo>
-                <a:lnTo>
-                  <a:pt x="7523774" y="4163492"/>
-                </a:lnTo>
-                <a:lnTo>
-                  <a:pt x="7528985" y="4293793"/>
-                </a:lnTo>
-                <a:lnTo>
-                  <a:pt x="7533691" y="4421352"/>
-                </a:lnTo>
-                <a:lnTo>
-                  <a:pt x="7546971" y="4670298"/>
-                </a:lnTo>
-                <a:lnTo>
-                  <a:pt x="7561090" y="4908956"/>
-                </a:lnTo>
-                <a:lnTo>
-                  <a:pt x="7575882" y="5138013"/>
-                </a:lnTo>
-                <a:lnTo>
-                  <a:pt x="7592187" y="5354726"/>
-                </a:lnTo>
-                <a:lnTo>
-                  <a:pt x="7609164" y="5561838"/>
-                </a:lnTo>
-                <a:lnTo>
-                  <a:pt x="7627485" y="5753862"/>
-                </a:lnTo>
-                <a:lnTo>
-                  <a:pt x="7645471" y="5934227"/>
-                </a:lnTo>
-                <a:lnTo>
-                  <a:pt x="7663456" y="6100191"/>
-                </a:lnTo>
-                <a:lnTo>
-                  <a:pt x="7680433" y="6252438"/>
-                </a:lnTo>
-                <a:lnTo>
-                  <a:pt x="7696570" y="6387541"/>
-                </a:lnTo>
-                <a:lnTo>
-                  <a:pt x="7711866" y="6509613"/>
-                </a:lnTo>
-                <a:lnTo>
-                  <a:pt x="7724641" y="6612483"/>
-                </a:lnTo>
-                <a:lnTo>
-                  <a:pt x="7736743" y="6698894"/>
-                </a:lnTo>
-                <a:lnTo>
-                  <a:pt x="7754057" y="6817538"/>
-                </a:lnTo>
-                <a:lnTo>
-                  <a:pt x="7759940" y="6858000"/>
-                </a:lnTo>
-                <a:lnTo>
-                  <a:pt x="6854586" y="6858000"/>
-                </a:lnTo>
-                <a:lnTo>
-                  <a:pt x="6854586" y="6858001"/>
-                </a:lnTo>
-                <a:lnTo>
-                  <a:pt x="764022" y="6858001"/>
-                </a:lnTo>
-                <a:lnTo>
-                  <a:pt x="764022" y="6858000"/>
-                </a:lnTo>
-                <a:lnTo>
-                  <a:pt x="0" y="6858000"/>
-                </a:lnTo>
-                <a:close/>
-              </a:path>
-            </a:pathLst>
-          </a:custGeom>
-        </p:spPr>
-      </p:pic>
-    </p:spTree>
-    <p:extLst>
-      <p:ext uri="{BB962C8B-B14F-4D97-AF65-F5344CB8AC3E}">
-        <p14:creationId xmlns:p14="http://schemas.microsoft.com/office/powerpoint/2010/main" val="489778320"/>
-      </p:ext>
-    </p:extLst>
-  </p:cSld>
-  <p:clrMapOvr>
-    <a:masterClrMapping/>
-  </p:clrMapOvr>
-</p:sld>
-</file>
-
-<file path=ppt/slides/slide8.xml><?xml version="1.0" encoding="utf-8"?>
-<p:sld xmlns:a="http://schemas.openxmlformats.org/drawingml/2006/main" xmlns:r="http://schemas.openxmlformats.org/officeDocument/2006/relationships" xmlns:p="http://schemas.openxmlformats.org/presentationml/2006/main">
-  <p:cSld>
-    <p:bg>
-      <p:bgPr>
-        <a:solidFill>
-          <a:schemeClr val="bg1"/>
-        </a:solidFill>
-        <a:effectLst/>
-      </p:bgPr>
-    </p:bg>
-    <p:spTree>
-      <p:nvGrpSpPr>
-        <p:cNvPr id="1" name=""/>
-        <p:cNvGrpSpPr/>
-        <p:nvPr/>
-      </p:nvGrpSpPr>
-      <p:grpSpPr>
-        <a:xfrm>
-          <a:off x="0" y="0"/>
-          <a:ext cx="0" cy="0"/>
-          <a:chOff x="0" y="0"/>
-          <a:chExt cx="0" cy="0"/>
-        </a:xfrm>
-      </p:grpSpPr>
-      <p:sp>
-        <p:nvSpPr>
-          <p:cNvPr id="9" name="Rectangle 8">
-            <a:extLst>
-              <a:ext uri="{FF2B5EF4-FFF2-40B4-BE49-F238E27FC236}">
-                <a16:creationId xmlns:a16="http://schemas.microsoft.com/office/drawing/2014/main" id="{F747F1B4-B831-4277-8AB0-32767F7EB7BF}"/>
-              </a:ext>
-              <a:ext uri="{C183D7F6-B498-43B3-948B-1728B52AA6E4}">
-                <adec:decorative xmlns:adec="http://schemas.microsoft.com/office/drawing/2017/decorative" val="1"/>
-              </a:ext>
-            </a:extLst>
-          </p:cNvPr>
-          <p:cNvSpPr>
-            <a:spLocks noGrp="1" noRot="1" noChangeAspect="1" noMove="1" noResize="1" noEditPoints="1" noAdjustHandles="1" noChangeArrowheads="1" noChangeShapeType="1" noTextEdit="1"/>
-          </p:cNvSpPr>
-          <p:nvPr>
-            <p:extLst>
-              <p:ext uri="{386F3935-93C4-4BCD-93E2-E3B085C9AB24}">
-                <p16:designElem xmlns:p16="http://schemas.microsoft.com/office/powerpoint/2015/main" val="1"/>
-              </p:ext>
-            </p:extLst>
-          </p:nvPr>
-        </p:nvSpPr>
-        <p:spPr>
-          <a:xfrm>
-            <a:off x="0" y="0"/>
-            <a:ext cx="12191999" cy="6858000"/>
-          </a:xfrm>
-          <a:prstGeom prst="rect">
-            <a:avLst/>
-          </a:prstGeom>
-          <a:ln>
-            <a:noFill/>
-          </a:ln>
-        </p:spPr>
-        <p:style>
-          <a:lnRef idx="2">
-            <a:schemeClr val="accent1">
-              <a:shade val="50000"/>
-            </a:schemeClr>
-          </a:lnRef>
-          <a:fillRef idx="1003">
-            <a:schemeClr val="dk2"/>
-          </a:fillRef>
-          <a:effectRef idx="0">
-            <a:schemeClr val="accent1"/>
-          </a:effectRef>
-          <a:fontRef idx="minor">
-            <a:schemeClr val="lt1"/>
-          </a:fontRef>
-        </p:style>
-        <p:txBody>
-          <a:bodyPr rtlCol="0" anchor="ctr"/>
-          <a:lstStyle/>
-          <a:p>
-            <a:pPr algn="ctr"/>
-            <a:endParaRPr lang="en-US"/>
-          </a:p>
-        </p:txBody>
-      </p:sp>
-      <p:sp>
-        <p:nvSpPr>
-          <p:cNvPr id="11" name="Freeform 7">
-            <a:extLst>
-              <a:ext uri="{FF2B5EF4-FFF2-40B4-BE49-F238E27FC236}">
-                <a16:creationId xmlns:a16="http://schemas.microsoft.com/office/drawing/2014/main" id="{D80CFA21-AB7C-4BEB-9BFF-05764FBBF3C6}"/>
-              </a:ext>
-              <a:ext uri="{C183D7F6-B498-43B3-948B-1728B52AA6E4}">
-                <adec:decorative xmlns:adec="http://schemas.microsoft.com/office/drawing/2017/decorative" val="1"/>
-              </a:ext>
-            </a:extLst>
-          </p:cNvPr>
-          <p:cNvSpPr>
-            <a:spLocks noGrp="1" noRot="1" noChangeAspect="1" noMove="1" noResize="1" noEditPoints="1" noAdjustHandles="1" noChangeArrowheads="1" noChangeShapeType="1" noTextEdit="1"/>
-          </p:cNvSpPr>
-          <p:nvPr>
-            <p:extLst>
-              <p:ext uri="{386F3935-93C4-4BCD-93E2-E3B085C9AB24}">
-                <p16:designElem xmlns:p16="http://schemas.microsoft.com/office/powerpoint/2015/main" val="1"/>
-              </p:ext>
-            </p:extLst>
-          </p:nvPr>
-        </p:nvSpPr>
-        <p:spPr>
-          <a:xfrm>
-            <a:off x="8719939" y="1460230"/>
-            <a:ext cx="3472060" cy="825932"/>
-          </a:xfrm>
-          <a:custGeom>
-            <a:avLst/>
-            <a:gdLst>
-              <a:gd name="connsiteX0" fmla="*/ 3470310 w 3472060"/>
-              <a:gd name="connsiteY0" fmla="*/ 0 h 825932"/>
-              <a:gd name="connsiteX1" fmla="*/ 3472060 w 3472060"/>
-              <a:gd name="connsiteY1" fmla="*/ 12850 h 825932"/>
-              <a:gd name="connsiteX2" fmla="*/ 3472060 w 3472060"/>
-              <a:gd name="connsiteY2" fmla="*/ 480529 h 825932"/>
-              <a:gd name="connsiteX3" fmla="*/ 3363699 w 3472060"/>
-              <a:gd name="connsiteY3" fmla="*/ 498471 h 825932"/>
-              <a:gd name="connsiteX4" fmla="*/ 42060 w 3472060"/>
-              <a:gd name="connsiteY4" fmla="*/ 824486 h 825932"/>
-              <a:gd name="connsiteX5" fmla="*/ 0 w 3472060"/>
-              <a:gd name="connsiteY5" fmla="*/ 758452 h 825932"/>
-              <a:gd name="connsiteX6" fmla="*/ 188014 w 3472060"/>
-              <a:gd name="connsiteY6" fmla="*/ 735602 h 825932"/>
-              <a:gd name="connsiteX7" fmla="*/ 284087 w 3472060"/>
-              <a:gd name="connsiteY7" fmla="*/ 722590 h 825932"/>
-              <a:gd name="connsiteX8" fmla="*/ 382288 w 3472060"/>
-              <a:gd name="connsiteY8" fmla="*/ 709392 h 825932"/>
-              <a:gd name="connsiteX9" fmla="*/ 481858 w 3472060"/>
-              <a:gd name="connsiteY9" fmla="*/ 695774 h 825932"/>
-              <a:gd name="connsiteX10" fmla="*/ 581897 w 3472060"/>
-              <a:gd name="connsiteY10" fmla="*/ 680711 h 825932"/>
-              <a:gd name="connsiteX11" fmla="*/ 683670 w 3472060"/>
-              <a:gd name="connsiteY11" fmla="*/ 665256 h 825932"/>
-              <a:gd name="connsiteX12" fmla="*/ 787206 w 3472060"/>
-              <a:gd name="connsiteY12" fmla="*/ 649587 h 825932"/>
-              <a:gd name="connsiteX13" fmla="*/ 892019 w 3472060"/>
-              <a:gd name="connsiteY13" fmla="*/ 632968 h 825932"/>
-              <a:gd name="connsiteX14" fmla="*/ 997620 w 3472060"/>
-              <a:gd name="connsiteY14" fmla="*/ 614667 h 825932"/>
-              <a:gd name="connsiteX15" fmla="*/ 1104727 w 3472060"/>
-              <a:gd name="connsiteY15" fmla="*/ 596741 h 825932"/>
-              <a:gd name="connsiteX16" fmla="*/ 1212669 w 3472060"/>
-              <a:gd name="connsiteY16" fmla="*/ 577397 h 825932"/>
-              <a:gd name="connsiteX17" fmla="*/ 1321506 w 3472060"/>
-              <a:gd name="connsiteY17" fmla="*/ 556988 h 825932"/>
-              <a:gd name="connsiteX18" fmla="*/ 1430709 w 3472060"/>
-              <a:gd name="connsiteY18" fmla="*/ 536607 h 825932"/>
-              <a:gd name="connsiteX19" fmla="*/ 1541050 w 3472060"/>
-              <a:gd name="connsiteY19" fmla="*/ 514481 h 825932"/>
-              <a:gd name="connsiteX20" fmla="*/ 1652805 w 3472060"/>
-              <a:gd name="connsiteY20" fmla="*/ 492202 h 825932"/>
-              <a:gd name="connsiteX21" fmla="*/ 1763708 w 3472060"/>
-              <a:gd name="connsiteY21" fmla="*/ 469161 h 825932"/>
-              <a:gd name="connsiteX22" fmla="*/ 1875795 w 3472060"/>
-              <a:gd name="connsiteY22" fmla="*/ 444641 h 825932"/>
-              <a:gd name="connsiteX23" fmla="*/ 1989128 w 3472060"/>
-              <a:gd name="connsiteY23" fmla="*/ 418995 h 825932"/>
-              <a:gd name="connsiteX24" fmla="*/ 2102476 w 3472060"/>
-              <a:gd name="connsiteY24" fmla="*/ 393438 h 825932"/>
-              <a:gd name="connsiteX25" fmla="*/ 2215549 w 3472060"/>
-              <a:gd name="connsiteY25" fmla="*/ 366291 h 825932"/>
-              <a:gd name="connsiteX26" fmla="*/ 2330490 w 3472060"/>
-              <a:gd name="connsiteY26" fmla="*/ 337455 h 825932"/>
-              <a:gd name="connsiteX27" fmla="*/ 2443333 w 3472060"/>
-              <a:gd name="connsiteY27" fmla="*/ 308983 h 825932"/>
-              <a:gd name="connsiteX28" fmla="*/ 2558014 w 3472060"/>
-              <a:gd name="connsiteY28" fmla="*/ 278646 h 825932"/>
-              <a:gd name="connsiteX29" fmla="*/ 2673621 w 3472060"/>
-              <a:gd name="connsiteY29" fmla="*/ 247421 h 825932"/>
-              <a:gd name="connsiteX30" fmla="*/ 2787008 w 3472060"/>
-              <a:gd name="connsiteY30" fmla="*/ 215853 h 825932"/>
-              <a:gd name="connsiteX31" fmla="*/ 2901442 w 3472060"/>
-              <a:gd name="connsiteY31" fmla="*/ 182011 h 825932"/>
-              <a:gd name="connsiteX32" fmla="*/ 3015722 w 3472060"/>
-              <a:gd name="connsiteY32" fmla="*/ 147286 h 825932"/>
-              <a:gd name="connsiteX33" fmla="*/ 3130018 w 3472060"/>
-              <a:gd name="connsiteY33" fmla="*/ 112649 h 825932"/>
-              <a:gd name="connsiteX34" fmla="*/ 3243551 w 3472060"/>
-              <a:gd name="connsiteY34" fmla="*/ 75688 h 825932"/>
-              <a:gd name="connsiteX35" fmla="*/ 3356992 w 3472060"/>
-              <a:gd name="connsiteY35" fmla="*/ 38197 h 825932"/>
-              <a:gd name="connsiteX36" fmla="*/ 3470310 w 3472060"/>
-              <a:gd name="connsiteY36" fmla="*/ 0 h 825932"/>
-            </a:gdLst>
-            <a:ahLst/>
-            <a:cxnLst>
-              <a:cxn ang="0">
-                <a:pos x="connsiteX0" y="connsiteY0"/>
-              </a:cxn>
-              <a:cxn ang="0">
-                <a:pos x="connsiteX1" y="connsiteY1"/>
-              </a:cxn>
-              <a:cxn ang="0">
-                <a:pos x="connsiteX2" y="connsiteY2"/>
-              </a:cxn>
-              <a:cxn ang="0">
-                <a:pos x="connsiteX3" y="connsiteY3"/>
-              </a:cxn>
-              <a:cxn ang="0">
-                <a:pos x="connsiteX4" y="connsiteY4"/>
-              </a:cxn>
-              <a:cxn ang="0">
-                <a:pos x="connsiteX5" y="connsiteY5"/>
-              </a:cxn>
-              <a:cxn ang="0">
-                <a:pos x="connsiteX6" y="connsiteY6"/>
-              </a:cxn>
-              <a:cxn ang="0">
-                <a:pos x="connsiteX7" y="connsiteY7"/>
-              </a:cxn>
-              <a:cxn ang="0">
-                <a:pos x="connsiteX8" y="connsiteY8"/>
-              </a:cxn>
-              <a:cxn ang="0">
-                <a:pos x="connsiteX9" y="connsiteY9"/>
-              </a:cxn>
-              <a:cxn ang="0">
-                <a:pos x="connsiteX10" y="connsiteY10"/>
-              </a:cxn>
-              <a:cxn ang="0">
-                <a:pos x="connsiteX11" y="connsiteY11"/>
-              </a:cxn>
-              <a:cxn ang="0">
-                <a:pos x="connsiteX12" y="connsiteY12"/>
-              </a:cxn>
-              <a:cxn ang="0">
-                <a:pos x="connsiteX13" y="connsiteY13"/>
-              </a:cxn>
-              <a:cxn ang="0">
-                <a:pos x="connsiteX14" y="connsiteY14"/>
-              </a:cxn>
-              <a:cxn ang="0">
-                <a:pos x="connsiteX15" y="connsiteY15"/>
-              </a:cxn>
-              <a:cxn ang="0">
-                <a:pos x="connsiteX16" y="connsiteY16"/>
-              </a:cxn>
-              <a:cxn ang="0">
-                <a:pos x="connsiteX17" y="connsiteY17"/>
-              </a:cxn>
-              <a:cxn ang="0">
-                <a:pos x="connsiteX18" y="connsiteY18"/>
-              </a:cxn>
-              <a:cxn ang="0">
-                <a:pos x="connsiteX19" y="connsiteY19"/>
-              </a:cxn>
-              <a:cxn ang="0">
-                <a:pos x="connsiteX20" y="connsiteY20"/>
-              </a:cxn>
-              <a:cxn ang="0">
-                <a:pos x="connsiteX21" y="connsiteY21"/>
-              </a:cxn>
-              <a:cxn ang="0">
-                <a:pos x="connsiteX22" y="connsiteY22"/>
-              </a:cxn>
-              <a:cxn ang="0">
-                <a:pos x="connsiteX23" y="connsiteY23"/>
-              </a:cxn>
-              <a:cxn ang="0">
-                <a:pos x="connsiteX24" y="connsiteY24"/>
-              </a:cxn>
-              <a:cxn ang="0">
-                <a:pos x="connsiteX25" y="connsiteY25"/>
-              </a:cxn>
-              <a:cxn ang="0">
-                <a:pos x="connsiteX26" y="connsiteY26"/>
-              </a:cxn>
-              <a:cxn ang="0">
-                <a:pos x="connsiteX27" y="connsiteY27"/>
-              </a:cxn>
-              <a:cxn ang="0">
-                <a:pos x="connsiteX28" y="connsiteY28"/>
-              </a:cxn>
-              <a:cxn ang="0">
-                <a:pos x="connsiteX29" y="connsiteY29"/>
-              </a:cxn>
-              <a:cxn ang="0">
-                <a:pos x="connsiteX30" y="connsiteY30"/>
-              </a:cxn>
-              <a:cxn ang="0">
-                <a:pos x="connsiteX31" y="connsiteY31"/>
-              </a:cxn>
-              <a:cxn ang="0">
-                <a:pos x="connsiteX32" y="connsiteY32"/>
-              </a:cxn>
-              <a:cxn ang="0">
-                <a:pos x="connsiteX33" y="connsiteY33"/>
-              </a:cxn>
-              <a:cxn ang="0">
-                <a:pos x="connsiteX34" y="connsiteY34"/>
-              </a:cxn>
-              <a:cxn ang="0">
-                <a:pos x="connsiteX35" y="connsiteY35"/>
-              </a:cxn>
-              <a:cxn ang="0">
-                <a:pos x="connsiteX36" y="connsiteY36"/>
-              </a:cxn>
-            </a:cxnLst>
-            <a:rect l="l" t="t" r="r" b="b"/>
-            <a:pathLst>
-              <a:path w="3472060" h="825932">
-                <a:moveTo>
-                  <a:pt x="3470310" y="0"/>
-                </a:moveTo>
-                <a:lnTo>
-                  <a:pt x="3472060" y="12850"/>
-                </a:lnTo>
-                <a:lnTo>
-                  <a:pt x="3472060" y="480529"/>
-                </a:lnTo>
-                <a:lnTo>
-                  <a:pt x="3363699" y="498471"/>
-                </a:lnTo>
-                <a:cubicBezTo>
-                  <a:pt x="2435623" y="645518"/>
-                  <a:pt x="603076" y="844866"/>
-                  <a:pt x="42060" y="824486"/>
-                </a:cubicBezTo>
-                <a:cubicBezTo>
-                  <a:pt x="28151" y="802425"/>
-                  <a:pt x="13909" y="780513"/>
-                  <a:pt x="0" y="758452"/>
-                </a:cubicBezTo>
-                <a:lnTo>
-                  <a:pt x="188014" y="735602"/>
-                </a:lnTo>
-                <a:lnTo>
-                  <a:pt x="284087" y="722590"/>
-                </a:lnTo>
-                <a:lnTo>
-                  <a:pt x="382288" y="709392"/>
-                </a:lnTo>
-                <a:lnTo>
-                  <a:pt x="481858" y="695774"/>
-                </a:lnTo>
-                <a:lnTo>
-                  <a:pt x="581897" y="680711"/>
-                </a:lnTo>
-                <a:lnTo>
-                  <a:pt x="683670" y="665256"/>
-                </a:lnTo>
-                <a:lnTo>
-                  <a:pt x="787206" y="649587"/>
-                </a:lnTo>
-                <a:lnTo>
-                  <a:pt x="892019" y="632968"/>
-                </a:lnTo>
-                <a:lnTo>
-                  <a:pt x="997620" y="614667"/>
-                </a:lnTo>
-                <a:lnTo>
-                  <a:pt x="1104727" y="596741"/>
-                </a:lnTo>
-                <a:lnTo>
-                  <a:pt x="1212669" y="577397"/>
-                </a:lnTo>
-                <a:lnTo>
-                  <a:pt x="1321506" y="556988"/>
-                </a:lnTo>
-                <a:lnTo>
-                  <a:pt x="1430709" y="536607"/>
-                </a:lnTo>
-                <a:lnTo>
-                  <a:pt x="1541050" y="514481"/>
-                </a:lnTo>
-                <a:lnTo>
-                  <a:pt x="1652805" y="492202"/>
-                </a:lnTo>
-                <a:lnTo>
-                  <a:pt x="1763708" y="469161"/>
-                </a:lnTo>
-                <a:lnTo>
-                  <a:pt x="1875795" y="444641"/>
-                </a:lnTo>
-                <a:lnTo>
-                  <a:pt x="1989128" y="418995"/>
-                </a:lnTo>
-                <a:lnTo>
-                  <a:pt x="2102476" y="393438"/>
-                </a:lnTo>
-                <a:lnTo>
-                  <a:pt x="2215549" y="366291"/>
-                </a:lnTo>
-                <a:lnTo>
-                  <a:pt x="2330490" y="337455"/>
-                </a:lnTo>
-                <a:lnTo>
-                  <a:pt x="2443333" y="308983"/>
-                </a:lnTo>
-                <a:lnTo>
-                  <a:pt x="2558014" y="278646"/>
-                </a:lnTo>
-                <a:lnTo>
-                  <a:pt x="2673621" y="247421"/>
-                </a:lnTo>
-                <a:lnTo>
-                  <a:pt x="2787008" y="215853"/>
-                </a:lnTo>
-                <a:lnTo>
-                  <a:pt x="2901442" y="182011"/>
-                </a:lnTo>
-                <a:lnTo>
-                  <a:pt x="3015722" y="147286"/>
-                </a:lnTo>
-                <a:lnTo>
-                  <a:pt x="3130018" y="112649"/>
-                </a:lnTo>
-                <a:lnTo>
-                  <a:pt x="3243551" y="75688"/>
-                </a:lnTo>
-                <a:lnTo>
-                  <a:pt x="3356992" y="38197"/>
-                </a:lnTo>
-                <a:lnTo>
-                  <a:pt x="3470310" y="0"/>
-                </a:lnTo>
-                <a:close/>
-              </a:path>
-            </a:pathLst>
-          </a:custGeom>
-          <a:solidFill>
-            <a:schemeClr val="bg1">
-              <a:alpha val="20000"/>
-            </a:schemeClr>
-          </a:solidFill>
-          <a:ln>
-            <a:noFill/>
-          </a:ln>
-        </p:spPr>
-        <p:txBody>
-          <a:bodyPr rtlCol="0" anchor="ctr"/>
-          <a:lstStyle/>
-          <a:p>
-            <a:pPr algn="ctr"/>
-            <a:endParaRPr lang="en-US">
-              <a:solidFill>
-                <a:schemeClr val="tx1"/>
-              </a:solidFill>
-            </a:endParaRPr>
-          </a:p>
-        </p:txBody>
-      </p:sp>
-      <p:sp>
-        <p:nvSpPr>
-          <p:cNvPr id="2" name="Title 1">
-            <a:extLst>
-              <a:ext uri="{FF2B5EF4-FFF2-40B4-BE49-F238E27FC236}">
-                <a16:creationId xmlns:a16="http://schemas.microsoft.com/office/drawing/2014/main" id="{FD5E6F3C-D209-4A0D-84EC-FDD145A2852B}"/>
-              </a:ext>
-            </a:extLst>
-          </p:cNvPr>
-          <p:cNvSpPr>
-            <a:spLocks noGrp="1"/>
-          </p:cNvSpPr>
-          <p:nvPr>
-            <p:ph type="title"/>
-          </p:nvPr>
-        </p:nvSpPr>
-        <p:spPr>
-          <a:xfrm>
-            <a:off x="648930" y="629267"/>
-            <a:ext cx="9252154" cy="1016654"/>
-          </a:xfrm>
-        </p:spPr>
-        <p:txBody>
-          <a:bodyPr>
-            <a:normAutofit/>
-          </a:bodyPr>
-          <a:lstStyle/>
-          <a:p>
-            <a:r>
-              <a:rPr lang="en-US" sz="5000" dirty="0">
-                <a:solidFill>
-                  <a:srgbClr val="EBEBEB"/>
-                </a:solidFill>
-              </a:rPr>
-              <a:t>Administrative Functions</a:t>
-            </a:r>
-          </a:p>
-        </p:txBody>
-      </p:sp>
-      <p:sp>
-        <p:nvSpPr>
-          <p:cNvPr id="13" name="Rectangle 12">
-            <a:extLst>
-              <a:ext uri="{FF2B5EF4-FFF2-40B4-BE49-F238E27FC236}">
-                <a16:creationId xmlns:a16="http://schemas.microsoft.com/office/drawing/2014/main" id="{12F7E335-851A-4CAE-B09F-E657819D4600}"/>
-              </a:ext>
-              <a:ext uri="{C183D7F6-B498-43B3-948B-1728B52AA6E4}">
-                <adec:decorative xmlns:adec="http://schemas.microsoft.com/office/drawing/2017/decorative" val="1"/>
-              </a:ext>
-            </a:extLst>
-          </p:cNvPr>
-          <p:cNvSpPr>
-            <a:spLocks noGrp="1" noRot="1" noChangeAspect="1" noMove="1" noResize="1" noEditPoints="1" noAdjustHandles="1" noChangeArrowheads="1" noChangeShapeType="1" noTextEdit="1"/>
-          </p:cNvSpPr>
-          <p:nvPr>
-            <p:extLst>
-              <p:ext uri="{386F3935-93C4-4BCD-93E2-E3B085C9AB24}">
-                <p16:designElem xmlns:p16="http://schemas.microsoft.com/office/powerpoint/2015/main" val="1"/>
-              </p:ext>
-            </p:extLst>
-          </p:nvPr>
-        </p:nvSpPr>
-        <p:spPr>
-          <a:xfrm>
-            <a:off x="10437812" y="0"/>
-            <a:ext cx="685800" cy="1143000"/>
-          </a:xfrm>
-          <a:prstGeom prst="rect">
-            <a:avLst/>
-          </a:prstGeom>
-          <a:solidFill>
-            <a:schemeClr val="accent1"/>
-          </a:solidFill>
-          <a:ln>
-            <a:noFill/>
-          </a:ln>
-        </p:spPr>
-        <p:style>
-          <a:lnRef idx="1">
-            <a:schemeClr val="accent1"/>
-          </a:lnRef>
-          <a:fillRef idx="3">
-            <a:schemeClr val="accent1"/>
-          </a:fillRef>
-          <a:effectRef idx="2">
-            <a:schemeClr val="accent1"/>
-          </a:effectRef>
-          <a:fontRef idx="minor">
-            <a:schemeClr val="lt1"/>
-          </a:fontRef>
-        </p:style>
-      </p:sp>
-      <p:sp>
-        <p:nvSpPr>
-          <p:cNvPr id="15" name="Freeform: Shape 14">
-            <a:extLst>
-              <a:ext uri="{FF2B5EF4-FFF2-40B4-BE49-F238E27FC236}">
-                <a16:creationId xmlns:a16="http://schemas.microsoft.com/office/drawing/2014/main" id="{10B541F0-7F6E-402E-84D8-CF96EACA5FBC}"/>
-              </a:ext>
-              <a:ext uri="{C183D7F6-B498-43B3-948B-1728B52AA6E4}">
-                <adec:decorative xmlns:adec="http://schemas.microsoft.com/office/drawing/2017/decorative" val="1"/>
-              </a:ext>
-            </a:extLst>
-          </p:cNvPr>
-          <p:cNvSpPr>
-            <a:spLocks noGrp="1" noRot="1" noChangeAspect="1" noMove="1" noResize="1" noEditPoints="1" noAdjustHandles="1" noChangeArrowheads="1" noChangeShapeType="1" noTextEdit="1"/>
-          </p:cNvSpPr>
-          <p:nvPr>
-            <p:extLst>
-              <p:ext uri="{386F3935-93C4-4BCD-93E2-E3B085C9AB24}">
-                <p16:designElem xmlns:p16="http://schemas.microsoft.com/office/powerpoint/2015/main" val="1"/>
-              </p:ext>
-            </p:extLst>
-          </p:nvPr>
-        </p:nvSpPr>
-        <p:spPr bwMode="gray">
-          <a:xfrm>
-            <a:off x="-1" y="1762067"/>
-            <a:ext cx="12192418" cy="5095933"/>
-          </a:xfrm>
-          <a:custGeom>
-            <a:avLst/>
-            <a:gdLst>
-              <a:gd name="connsiteX0" fmla="*/ 1 w 12192418"/>
-              <a:gd name="connsiteY0" fmla="*/ 0 h 5095933"/>
-              <a:gd name="connsiteX1" fmla="*/ 71932 w 12192418"/>
-              <a:gd name="connsiteY1" fmla="*/ 12261 h 5095933"/>
-              <a:gd name="connsiteX2" fmla="*/ 282849 w 12192418"/>
-              <a:gd name="connsiteY2" fmla="*/ 48343 h 5095933"/>
-              <a:gd name="connsiteX3" fmla="*/ 436464 w 12192418"/>
-              <a:gd name="connsiteY3" fmla="*/ 73565 h 5095933"/>
-              <a:gd name="connsiteX4" fmla="*/ 619339 w 12192418"/>
-              <a:gd name="connsiteY4" fmla="*/ 100188 h 5095933"/>
-              <a:gd name="connsiteX5" fmla="*/ 836351 w 12192418"/>
-              <a:gd name="connsiteY5" fmla="*/ 132066 h 5095933"/>
-              <a:gd name="connsiteX6" fmla="*/ 1076528 w 12192418"/>
-              <a:gd name="connsiteY6" fmla="*/ 165696 h 5095933"/>
-              <a:gd name="connsiteX7" fmla="*/ 1347184 w 12192418"/>
-              <a:gd name="connsiteY7" fmla="*/ 201077 h 5095933"/>
-              <a:gd name="connsiteX8" fmla="*/ 1642223 w 12192418"/>
-              <a:gd name="connsiteY8" fmla="*/ 238560 h 5095933"/>
-              <a:gd name="connsiteX9" fmla="*/ 1962864 w 12192418"/>
-              <a:gd name="connsiteY9" fmla="*/ 276043 h 5095933"/>
-              <a:gd name="connsiteX10" fmla="*/ 2304232 w 12192418"/>
-              <a:gd name="connsiteY10" fmla="*/ 314227 h 5095933"/>
-              <a:gd name="connsiteX11" fmla="*/ 2672421 w 12192418"/>
-              <a:gd name="connsiteY11" fmla="*/ 349608 h 5095933"/>
-              <a:gd name="connsiteX12" fmla="*/ 3057678 w 12192418"/>
-              <a:gd name="connsiteY12" fmla="*/ 383588 h 5095933"/>
-              <a:gd name="connsiteX13" fmla="*/ 3464881 w 12192418"/>
-              <a:gd name="connsiteY13" fmla="*/ 414415 h 5095933"/>
-              <a:gd name="connsiteX14" fmla="*/ 3889152 w 12192418"/>
-              <a:gd name="connsiteY14" fmla="*/ 443841 h 5095933"/>
-              <a:gd name="connsiteX15" fmla="*/ 4331710 w 12192418"/>
-              <a:gd name="connsiteY15" fmla="*/ 471515 h 5095933"/>
-              <a:gd name="connsiteX16" fmla="*/ 4558476 w 12192418"/>
-              <a:gd name="connsiteY16" fmla="*/ 481324 h 5095933"/>
-              <a:gd name="connsiteX17" fmla="*/ 4790118 w 12192418"/>
-              <a:gd name="connsiteY17" fmla="*/ 492183 h 5095933"/>
-              <a:gd name="connsiteX18" fmla="*/ 5025418 w 12192418"/>
-              <a:gd name="connsiteY18" fmla="*/ 502342 h 5095933"/>
-              <a:gd name="connsiteX19" fmla="*/ 5261937 w 12192418"/>
-              <a:gd name="connsiteY19" fmla="*/ 508998 h 5095933"/>
-              <a:gd name="connsiteX20" fmla="*/ 5503332 w 12192418"/>
-              <a:gd name="connsiteY20" fmla="*/ 514953 h 5095933"/>
-              <a:gd name="connsiteX21" fmla="*/ 5747167 w 12192418"/>
-              <a:gd name="connsiteY21" fmla="*/ 521259 h 5095933"/>
-              <a:gd name="connsiteX22" fmla="*/ 5995877 w 12192418"/>
-              <a:gd name="connsiteY22" fmla="*/ 525463 h 5095933"/>
-              <a:gd name="connsiteX23" fmla="*/ 6247026 w 12192418"/>
-              <a:gd name="connsiteY23" fmla="*/ 525463 h 5095933"/>
-              <a:gd name="connsiteX24" fmla="*/ 6500613 w 12192418"/>
-              <a:gd name="connsiteY24" fmla="*/ 527565 h 5095933"/>
-              <a:gd name="connsiteX25" fmla="*/ 6756639 w 12192418"/>
-              <a:gd name="connsiteY25" fmla="*/ 525463 h 5095933"/>
-              <a:gd name="connsiteX26" fmla="*/ 7016322 w 12192418"/>
-              <a:gd name="connsiteY26" fmla="*/ 521259 h 5095933"/>
-              <a:gd name="connsiteX27" fmla="*/ 7276005 w 12192418"/>
-              <a:gd name="connsiteY27" fmla="*/ 517406 h 5095933"/>
-              <a:gd name="connsiteX28" fmla="*/ 7539345 w 12192418"/>
-              <a:gd name="connsiteY28" fmla="*/ 508998 h 5095933"/>
-              <a:gd name="connsiteX29" fmla="*/ 7805124 w 12192418"/>
-              <a:gd name="connsiteY29" fmla="*/ 500241 h 5095933"/>
-              <a:gd name="connsiteX30" fmla="*/ 8070903 w 12192418"/>
-              <a:gd name="connsiteY30" fmla="*/ 490082 h 5095933"/>
-              <a:gd name="connsiteX31" fmla="*/ 8339121 w 12192418"/>
-              <a:gd name="connsiteY31" fmla="*/ 475719 h 5095933"/>
-              <a:gd name="connsiteX32" fmla="*/ 8609776 w 12192418"/>
-              <a:gd name="connsiteY32" fmla="*/ 458554 h 5095933"/>
-              <a:gd name="connsiteX33" fmla="*/ 8881651 w 12192418"/>
-              <a:gd name="connsiteY33" fmla="*/ 442089 h 5095933"/>
-              <a:gd name="connsiteX34" fmla="*/ 9153526 w 12192418"/>
-              <a:gd name="connsiteY34" fmla="*/ 421071 h 5095933"/>
-              <a:gd name="connsiteX35" fmla="*/ 9429058 w 12192418"/>
-              <a:gd name="connsiteY35" fmla="*/ 395849 h 5095933"/>
-              <a:gd name="connsiteX36" fmla="*/ 9700933 w 12192418"/>
-              <a:gd name="connsiteY36" fmla="*/ 370626 h 5095933"/>
-              <a:gd name="connsiteX37" fmla="*/ 9977684 w 12192418"/>
-              <a:gd name="connsiteY37" fmla="*/ 341551 h 5095933"/>
-              <a:gd name="connsiteX38" fmla="*/ 10255655 w 12192418"/>
-              <a:gd name="connsiteY38" fmla="*/ 309673 h 5095933"/>
-              <a:gd name="connsiteX39" fmla="*/ 10529968 w 12192418"/>
-              <a:gd name="connsiteY39" fmla="*/ 276043 h 5095933"/>
-              <a:gd name="connsiteX40" fmla="*/ 10807939 w 12192418"/>
-              <a:gd name="connsiteY40" fmla="*/ 236809 h 5095933"/>
-              <a:gd name="connsiteX41" fmla="*/ 11084690 w 12192418"/>
-              <a:gd name="connsiteY41" fmla="*/ 194772 h 5095933"/>
-              <a:gd name="connsiteX42" fmla="*/ 11362661 w 12192418"/>
-              <a:gd name="connsiteY42" fmla="*/ 153085 h 5095933"/>
-              <a:gd name="connsiteX43" fmla="*/ 11639412 w 12192418"/>
-              <a:gd name="connsiteY43" fmla="*/ 104392 h 5095933"/>
-              <a:gd name="connsiteX44" fmla="*/ 11914945 w 12192418"/>
-              <a:gd name="connsiteY44" fmla="*/ 54648 h 5095933"/>
-              <a:gd name="connsiteX45" fmla="*/ 12191696 w 12192418"/>
-              <a:gd name="connsiteY45" fmla="*/ 2452 h 5095933"/>
-              <a:gd name="connsiteX46" fmla="*/ 12191696 w 12192418"/>
-              <a:gd name="connsiteY46" fmla="*/ 2109542 h 5095933"/>
-              <a:gd name="connsiteX47" fmla="*/ 12191999 w 12192418"/>
-              <a:gd name="connsiteY47" fmla="*/ 2109542 h 5095933"/>
-              <a:gd name="connsiteX48" fmla="*/ 12191999 w 12192418"/>
-              <a:gd name="connsiteY48" fmla="*/ 2802467 h 5095933"/>
-              <a:gd name="connsiteX49" fmla="*/ 12192418 w 12192418"/>
-              <a:gd name="connsiteY49" fmla="*/ 2802467 h 5095933"/>
-              <a:gd name="connsiteX50" fmla="*/ 12192418 w 12192418"/>
-              <a:gd name="connsiteY50" fmla="*/ 5095933 h 5095933"/>
-              <a:gd name="connsiteX51" fmla="*/ 1 w 12192418"/>
-              <a:gd name="connsiteY51" fmla="*/ 5095933 h 5095933"/>
-              <a:gd name="connsiteX52" fmla="*/ 1 w 12192418"/>
-              <a:gd name="connsiteY52" fmla="*/ 4074529 h 5095933"/>
-              <a:gd name="connsiteX53" fmla="*/ 0 w 12192418"/>
-              <a:gd name="connsiteY53" fmla="*/ 4074529 h 5095933"/>
-              <a:gd name="connsiteX54" fmla="*/ 0 w 12192418"/>
-              <a:gd name="connsiteY54" fmla="*/ 2109542 h 5095933"/>
-              <a:gd name="connsiteX55" fmla="*/ 1 w 12192418"/>
-              <a:gd name="connsiteY55" fmla="*/ 2109542 h 5095933"/>
-            </a:gdLst>
-            <a:ahLst/>
-            <a:cxnLst>
-              <a:cxn ang="0">
-                <a:pos x="connsiteX0" y="connsiteY0"/>
-              </a:cxn>
-              <a:cxn ang="0">
-                <a:pos x="connsiteX1" y="connsiteY1"/>
-              </a:cxn>
-              <a:cxn ang="0">
-                <a:pos x="connsiteX2" y="connsiteY2"/>
-              </a:cxn>
-              <a:cxn ang="0">
-                <a:pos x="connsiteX3" y="connsiteY3"/>
-              </a:cxn>
-              <a:cxn ang="0">
-                <a:pos x="connsiteX4" y="connsiteY4"/>
-              </a:cxn>
-              <a:cxn ang="0">
-                <a:pos x="connsiteX5" y="connsiteY5"/>
-              </a:cxn>
-              <a:cxn ang="0">
-                <a:pos x="connsiteX6" y="connsiteY6"/>
-              </a:cxn>
-              <a:cxn ang="0">
-                <a:pos x="connsiteX7" y="connsiteY7"/>
-              </a:cxn>
-              <a:cxn ang="0">
-                <a:pos x="connsiteX8" y="connsiteY8"/>
-              </a:cxn>
-              <a:cxn ang="0">
-                <a:pos x="connsiteX9" y="connsiteY9"/>
-              </a:cxn>
-              <a:cxn ang="0">
-                <a:pos x="connsiteX10" y="connsiteY10"/>
-              </a:cxn>
-              <a:cxn ang="0">
-                <a:pos x="connsiteX11" y="connsiteY11"/>
-              </a:cxn>
-              <a:cxn ang="0">
-                <a:pos x="connsiteX12" y="connsiteY12"/>
-              </a:cxn>
-              <a:cxn ang="0">
-                <a:pos x="connsiteX13" y="connsiteY13"/>
-              </a:cxn>
-              <a:cxn ang="0">
-                <a:pos x="connsiteX14" y="connsiteY14"/>
-              </a:cxn>
-              <a:cxn ang="0">
-                <a:pos x="connsiteX15" y="connsiteY15"/>
-              </a:cxn>
-              <a:cxn ang="0">
-                <a:pos x="connsiteX16" y="connsiteY16"/>
-              </a:cxn>
-              <a:cxn ang="0">
-                <a:pos x="connsiteX17" y="connsiteY17"/>
-              </a:cxn>
-              <a:cxn ang="0">
-                <a:pos x="connsiteX18" y="connsiteY18"/>
-              </a:cxn>
-              <a:cxn ang="0">
-                <a:pos x="connsiteX19" y="connsiteY19"/>
-              </a:cxn>
-              <a:cxn ang="0">
-                <a:pos x="connsiteX20" y="connsiteY20"/>
-              </a:cxn>
-              <a:cxn ang="0">
-                <a:pos x="connsiteX21" y="connsiteY21"/>
-              </a:cxn>
-              <a:cxn ang="0">
-                <a:pos x="connsiteX22" y="connsiteY22"/>
-              </a:cxn>
-              <a:cxn ang="0">
-                <a:pos x="connsiteX23" y="connsiteY23"/>
-              </a:cxn>
-              <a:cxn ang="0">
-                <a:pos x="connsiteX24" y="connsiteY24"/>
-              </a:cxn>
-              <a:cxn ang="0">
-                <a:pos x="connsiteX25" y="connsiteY25"/>
-              </a:cxn>
-              <a:cxn ang="0">
-                <a:pos x="connsiteX26" y="connsiteY26"/>
-              </a:cxn>
-              <a:cxn ang="0">
-                <a:pos x="connsiteX27" y="connsiteY27"/>
-              </a:cxn>
-              <a:cxn ang="0">
-                <a:pos x="connsiteX28" y="connsiteY28"/>
-              </a:cxn>
-              <a:cxn ang="0">
-                <a:pos x="connsiteX29" y="connsiteY29"/>
-              </a:cxn>
-              <a:cxn ang="0">
-                <a:pos x="connsiteX30" y="connsiteY30"/>
-              </a:cxn>
-              <a:cxn ang="0">
-                <a:pos x="connsiteX31" y="connsiteY31"/>
-              </a:cxn>
-              <a:cxn ang="0">
-                <a:pos x="connsiteX32" y="connsiteY32"/>
-              </a:cxn>
-              <a:cxn ang="0">
-                <a:pos x="connsiteX33" y="connsiteY33"/>
-              </a:cxn>
-              <a:cxn ang="0">
-                <a:pos x="connsiteX34" y="connsiteY34"/>
-              </a:cxn>
-              <a:cxn ang="0">
-                <a:pos x="connsiteX35" y="connsiteY35"/>
-              </a:cxn>
-              <a:cxn ang="0">
-                <a:pos x="connsiteX36" y="connsiteY36"/>
-              </a:cxn>
-              <a:cxn ang="0">
-                <a:pos x="connsiteX37" y="connsiteY37"/>
-              </a:cxn>
-              <a:cxn ang="0">
-                <a:pos x="connsiteX38" y="connsiteY38"/>
-              </a:cxn>
-              <a:cxn ang="0">
-                <a:pos x="connsiteX39" y="connsiteY39"/>
-              </a:cxn>
-              <a:cxn ang="0">
-                <a:pos x="connsiteX40" y="connsiteY40"/>
-              </a:cxn>
-              <a:cxn ang="0">
-                <a:pos x="connsiteX41" y="connsiteY41"/>
-              </a:cxn>
-              <a:cxn ang="0">
-                <a:pos x="connsiteX42" y="connsiteY42"/>
-              </a:cxn>
-              <a:cxn ang="0">
-                <a:pos x="connsiteX43" y="connsiteY43"/>
-              </a:cxn>
-              <a:cxn ang="0">
-                <a:pos x="connsiteX44" y="connsiteY44"/>
-              </a:cxn>
-              <a:cxn ang="0">
-                <a:pos x="connsiteX45" y="connsiteY45"/>
-              </a:cxn>
-              <a:cxn ang="0">
-                <a:pos x="connsiteX46" y="connsiteY46"/>
-              </a:cxn>
-              <a:cxn ang="0">
-                <a:pos x="connsiteX47" y="connsiteY47"/>
-              </a:cxn>
-              <a:cxn ang="0">
-                <a:pos x="connsiteX48" y="connsiteY48"/>
-              </a:cxn>
-              <a:cxn ang="0">
-                <a:pos x="connsiteX49" y="connsiteY49"/>
-              </a:cxn>
-              <a:cxn ang="0">
-                <a:pos x="connsiteX50" y="connsiteY50"/>
-              </a:cxn>
-              <a:cxn ang="0">
-                <a:pos x="connsiteX51" y="connsiteY51"/>
-              </a:cxn>
-              <a:cxn ang="0">
-                <a:pos x="connsiteX52" y="connsiteY52"/>
-              </a:cxn>
-              <a:cxn ang="0">
-                <a:pos x="connsiteX53" y="connsiteY53"/>
-              </a:cxn>
-              <a:cxn ang="0">
-                <a:pos x="connsiteX54" y="connsiteY54"/>
-              </a:cxn>
-              <a:cxn ang="0">
-                <a:pos x="connsiteX55" y="connsiteY55"/>
-              </a:cxn>
-            </a:cxnLst>
-            <a:rect l="l" t="t" r="r" b="b"/>
-            <a:pathLst>
-              <a:path w="12192418" h="5095933">
-                <a:moveTo>
-                  <a:pt x="1" y="0"/>
-                </a:moveTo>
-                <a:lnTo>
-                  <a:pt x="71932" y="12261"/>
-                </a:lnTo>
-                <a:lnTo>
-                  <a:pt x="282849" y="48343"/>
-                </a:lnTo>
-                <a:lnTo>
-                  <a:pt x="436464" y="73565"/>
-                </a:lnTo>
-                <a:lnTo>
-                  <a:pt x="619339" y="100188"/>
-                </a:lnTo>
-                <a:lnTo>
-                  <a:pt x="836351" y="132066"/>
-                </a:lnTo>
-                <a:lnTo>
-                  <a:pt x="1076528" y="165696"/>
-                </a:lnTo>
-                <a:lnTo>
-                  <a:pt x="1347184" y="201077"/>
-                </a:lnTo>
-                <a:lnTo>
-                  <a:pt x="1642223" y="238560"/>
-                </a:lnTo>
-                <a:lnTo>
-                  <a:pt x="1962864" y="276043"/>
-                </a:lnTo>
-                <a:lnTo>
-                  <a:pt x="2304232" y="314227"/>
-                </a:lnTo>
-                <a:lnTo>
-                  <a:pt x="2672421" y="349608"/>
-                </a:lnTo>
-                <a:lnTo>
-                  <a:pt x="3057678" y="383588"/>
-                </a:lnTo>
-                <a:lnTo>
-                  <a:pt x="3464881" y="414415"/>
-                </a:lnTo>
-                <a:lnTo>
-                  <a:pt x="3889152" y="443841"/>
-                </a:lnTo>
-                <a:lnTo>
-                  <a:pt x="4331710" y="471515"/>
-                </a:lnTo>
-                <a:lnTo>
-                  <a:pt x="4558476" y="481324"/>
-                </a:lnTo>
-                <a:lnTo>
-                  <a:pt x="4790118" y="492183"/>
-                </a:lnTo>
-                <a:lnTo>
-                  <a:pt x="5025418" y="502342"/>
-                </a:lnTo>
-                <a:lnTo>
-                  <a:pt x="5261937" y="508998"/>
-                </a:lnTo>
-                <a:lnTo>
-                  <a:pt x="5503332" y="514953"/>
-                </a:lnTo>
-                <a:lnTo>
-                  <a:pt x="5747167" y="521259"/>
-                </a:lnTo>
-                <a:lnTo>
-                  <a:pt x="5995877" y="525463"/>
-                </a:lnTo>
-                <a:lnTo>
-                  <a:pt x="6247026" y="525463"/>
-                </a:lnTo>
-                <a:lnTo>
-                  <a:pt x="6500613" y="527565"/>
-                </a:lnTo>
-                <a:lnTo>
-                  <a:pt x="6756639" y="525463"/>
-                </a:lnTo>
-                <a:lnTo>
-                  <a:pt x="7016322" y="521259"/>
-                </a:lnTo>
-                <a:lnTo>
-                  <a:pt x="7276005" y="517406"/>
-                </a:lnTo>
-                <a:lnTo>
-                  <a:pt x="7539345" y="508998"/>
-                </a:lnTo>
-                <a:lnTo>
-                  <a:pt x="7805124" y="500241"/>
-                </a:lnTo>
-                <a:lnTo>
-                  <a:pt x="8070903" y="490082"/>
-                </a:lnTo>
-                <a:lnTo>
-                  <a:pt x="8339121" y="475719"/>
-                </a:lnTo>
-                <a:lnTo>
-                  <a:pt x="8609776" y="458554"/>
-                </a:lnTo>
-                <a:lnTo>
-                  <a:pt x="8881651" y="442089"/>
-                </a:lnTo>
-                <a:lnTo>
-                  <a:pt x="9153526" y="421071"/>
-                </a:lnTo>
-                <a:lnTo>
-                  <a:pt x="9429058" y="395849"/>
-                </a:lnTo>
-                <a:lnTo>
-                  <a:pt x="9700933" y="370626"/>
-                </a:lnTo>
-                <a:lnTo>
-                  <a:pt x="9977684" y="341551"/>
-                </a:lnTo>
-                <a:lnTo>
-                  <a:pt x="10255655" y="309673"/>
-                </a:lnTo>
-                <a:lnTo>
-                  <a:pt x="10529968" y="276043"/>
-                </a:lnTo>
-                <a:lnTo>
-                  <a:pt x="10807939" y="236809"/>
-                </a:lnTo>
-                <a:lnTo>
-                  <a:pt x="11084690" y="194772"/>
-                </a:lnTo>
-                <a:lnTo>
-                  <a:pt x="11362661" y="153085"/>
-                </a:lnTo>
-                <a:lnTo>
-                  <a:pt x="11639412" y="104392"/>
-                </a:lnTo>
-                <a:lnTo>
-                  <a:pt x="11914945" y="54648"/>
-                </a:lnTo>
-                <a:lnTo>
-                  <a:pt x="12191696" y="2452"/>
-                </a:lnTo>
-                <a:lnTo>
-                  <a:pt x="12191696" y="2109542"/>
-                </a:lnTo>
-                <a:lnTo>
-                  <a:pt x="12191999" y="2109542"/>
-                </a:lnTo>
-                <a:lnTo>
-                  <a:pt x="12191999" y="2802467"/>
-                </a:lnTo>
-                <a:lnTo>
-                  <a:pt x="12192418" y="2802467"/>
-                </a:lnTo>
-                <a:lnTo>
-                  <a:pt x="12192418" y="5095933"/>
-                </a:lnTo>
-                <a:lnTo>
-                  <a:pt x="1" y="5095933"/>
-                </a:lnTo>
-                <a:lnTo>
-                  <a:pt x="1" y="4074529"/>
-                </a:lnTo>
-                <a:lnTo>
-                  <a:pt x="0" y="4074529"/>
-                </a:lnTo>
-                <a:lnTo>
-                  <a:pt x="0" y="2109542"/>
-                </a:lnTo>
-                <a:lnTo>
-                  <a:pt x="1" y="2109542"/>
-                </a:lnTo>
-                <a:close/>
-              </a:path>
-            </a:pathLst>
-          </a:custGeom>
-          <a:solidFill>
-            <a:schemeClr val="bg1"/>
-          </a:solidFill>
-          <a:ln>
-            <a:noFill/>
-          </a:ln>
-        </p:spPr>
-      </p:sp>
-      <p:pic>
-        <p:nvPicPr>
-          <p:cNvPr id="5" name="Picture 4">
-            <a:extLst>
-              <a:ext uri="{FF2B5EF4-FFF2-40B4-BE49-F238E27FC236}">
-                <a16:creationId xmlns:a16="http://schemas.microsoft.com/office/drawing/2014/main" id="{B6A9AD5E-43D4-4366-84BD-E640B873D55E}"/>
-              </a:ext>
-            </a:extLst>
-          </p:cNvPr>
-          <p:cNvPicPr>
-            <a:picLocks noChangeAspect="1"/>
-          </p:cNvPicPr>
-          <p:nvPr/>
-        </p:nvPicPr>
-        <p:blipFill>
-          <a:blip r:embed="rId2"/>
-          <a:stretch>
-            <a:fillRect/>
-          </a:stretch>
-        </p:blipFill>
-        <p:spPr>
-          <a:xfrm>
-            <a:off x="569496" y="3053803"/>
-            <a:ext cx="11053006" cy="3036071"/>
-          </a:xfrm>
-          <a:prstGeom prst="rect">
-            <a:avLst/>
-          </a:prstGeom>
-        </p:spPr>
-      </p:pic>
-    </p:spTree>
-    <p:extLst>
-      <p:ext uri="{BB962C8B-B14F-4D97-AF65-F5344CB8AC3E}">
-        <p14:creationId xmlns:p14="http://schemas.microsoft.com/office/powerpoint/2010/main" val="4099615099"/>
-      </p:ext>
-    </p:extLst>
-  </p:cSld>
-  <p:clrMapOvr>
-    <a:overrideClrMapping bg1="lt1" tx1="dk1" bg2="lt2" tx2="dk2" accent1="accent1" accent2="accent2" accent3="accent3" accent4="accent4" accent5="accent5" accent6="accent6" hlink="hlink" folHlink="folHlink"/>
   </p:clrMapOvr>
 </p:sld>
 </file>
@@ -20363,6 +20366,14 @@
 </file>
 
 <file path=customXml/item2.xml><?xml version="1.0" encoding="utf-8"?>
+<p:properties xmlns:p="http://schemas.microsoft.com/office/2006/metadata/properties" xmlns:xsi="http://www.w3.org/2001/XMLSchema-instance" xmlns:pc="http://schemas.microsoft.com/office/infopath/2007/PartnerControls">
+  <documentManagement>
+    <MediaServiceKeyPoints xmlns="71af3243-3dd4-4a8d-8c0d-dd76da1f02a5" xsi:nil="true"/>
+  </documentManagement>
+</p:properties>
+</file>
+
+<file path=customXml/item3.xml><?xml version="1.0" encoding="utf-8"?>
 <ct:contentTypeSchema xmlns:ct="http://schemas.microsoft.com/office/2006/metadata/contentType" xmlns:ma="http://schemas.microsoft.com/office/2006/metadata/properties/metaAttributes" ct:_="" ma:_="" ma:contentTypeName="Document" ma:contentTypeID="0x01010079F111ED35F8CC479449609E8A0923A6" ma:contentTypeVersion="11" ma:contentTypeDescription="Create a new document." ma:contentTypeScope="" ma:versionID="9677210f24a1be23c92c90fd886aa0aa">
   <xsd:schema xmlns:xsd="http://www.w3.org/2001/XMLSchema" xmlns:xs="http://www.w3.org/2001/XMLSchema" xmlns:p="http://schemas.microsoft.com/office/2006/metadata/properties" xmlns:ns2="71af3243-3dd4-4a8d-8c0d-dd76da1f02a5" xmlns:ns3="16c05727-aa75-4e4a-9b5f-8a80a1165891" targetNamespace="http://schemas.microsoft.com/office/2006/metadata/properties" ma:root="true" ma:fieldsID="60e05723c5c1908df1a1a4ebf11d344e" ns2:_="" ns3:_="">
     <xsd:import namespace="71af3243-3dd4-4a8d-8c0d-dd76da1f02a5"/>
@@ -20573,14 +20584,6 @@
 </ct:contentTypeSchema>
 </file>
 
-<file path=customXml/item3.xml><?xml version="1.0" encoding="utf-8"?>
-<p:properties xmlns:p="http://schemas.microsoft.com/office/2006/metadata/properties" xmlns:xsi="http://www.w3.org/2001/XMLSchema-instance" xmlns:pc="http://schemas.microsoft.com/office/infopath/2007/PartnerControls">
-  <documentManagement>
-    <MediaServiceKeyPoints xmlns="71af3243-3dd4-4a8d-8c0d-dd76da1f02a5" xsi:nil="true"/>
-  </documentManagement>
-</p:properties>
-</file>
-
 <file path=customXml/itemProps1.xml><?xml version="1.0" encoding="utf-8"?>
 <ds:datastoreItem xmlns:ds="http://schemas.openxmlformats.org/officeDocument/2006/customXml" ds:itemID="{D11AEF4D-E1F1-46B8-8C58-B490BFDD64A4}">
   <ds:schemaRefs>
@@ -20590,6 +20593,16 @@
 </file>
 
 <file path=customXml/itemProps2.xml><?xml version="1.0" encoding="utf-8"?>
+<ds:datastoreItem xmlns:ds="http://schemas.openxmlformats.org/officeDocument/2006/customXml" ds:itemID="{9C13C901-7F07-466C-BBFB-37B66ED1F691}">
+  <ds:schemaRefs>
+    <ds:schemaRef ds:uri="http://schemas.microsoft.com/office/2006/metadata/properties"/>
+    <ds:schemaRef ds:uri="http://schemas.microsoft.com/office/infopath/2007/PartnerControls"/>
+    <ds:schemaRef ds:uri="71af3243-3dd4-4a8d-8c0d-dd76da1f02a5"/>
+  </ds:schemaRefs>
+</ds:datastoreItem>
+</file>
+
+<file path=customXml/itemProps3.xml><?xml version="1.0" encoding="utf-8"?>
 <ds:datastoreItem xmlns:ds="http://schemas.openxmlformats.org/officeDocument/2006/customXml" ds:itemID="{8C149337-CC20-42E7-8327-E5212BE34450}">
   <ds:schemaRefs>
     <ds:schemaRef ds:uri="http://schemas.microsoft.com/office/2006/metadata/contentType"/>
@@ -20606,14 +20619,4 @@
     <ds:schemaRef ds:uri="http://schemas.microsoft.com/internal/obd"/>
   </ds:schemaRefs>
 </ds:datastoreItem>
-</file>
-
-<file path=customXml/itemProps3.xml><?xml version="1.0" encoding="utf-8"?>
-<ds:datastoreItem xmlns:ds="http://schemas.openxmlformats.org/officeDocument/2006/customXml" ds:itemID="{9C13C901-7F07-466C-BBFB-37B66ED1F691}">
-  <ds:schemaRefs>
-    <ds:schemaRef ds:uri="http://schemas.microsoft.com/office/2006/metadata/properties"/>
-    <ds:schemaRef ds:uri="http://schemas.microsoft.com/office/infopath/2007/PartnerControls"/>
-    <ds:schemaRef ds:uri="71af3243-3dd4-4a8d-8c0d-dd76da1f02a5"/>
-  </ds:schemaRefs>
-</ds:datastoreItem>
 </file>
--- a/presentation.pptx
+++ b/presentation.pptx
@@ -16139,7 +16139,7 @@
         <p:spPr>
           <a:xfrm>
             <a:off x="405442" y="83339"/>
-            <a:ext cx="1871033" cy="3196653"/>
+            <a:ext cx="7358332" cy="3505249"/>
           </a:xfrm>
           <a:prstGeom prst="rect">
             <a:avLst/>
@@ -17222,8 +17222,8 @@
         </p:nvSpPr>
         <p:spPr>
           <a:xfrm>
-            <a:off x="2396967" y="171449"/>
-            <a:ext cx="5082135" cy="3108543"/>
+            <a:off x="2207883" y="171449"/>
+            <a:ext cx="5478792" cy="3323987"/>
           </a:xfrm>
           <a:prstGeom prst="rect">
             <a:avLst/>
@@ -17244,30 +17244,33 @@
               </a:rPr>
               <a:t>What did you learn about yourself?</a:t>
             </a:r>
-            <a:br>
-              <a:rPr lang="en-US" sz="1400" b="1" dirty="0">
+          </a:p>
+          <a:p>
+            <a:r>
+              <a:rPr lang="en-US" sz="1400" b="1">
                 <a:solidFill>
                   <a:srgbClr val="245C60"/>
                 </a:solidFill>
               </a:rPr>
-            </a:br>
+              <a:t>While working </a:t>
+            </a:r>
             <a:r>
               <a:rPr lang="en-US" sz="1400" b="1" dirty="0">
                 <a:solidFill>
                   <a:srgbClr val="245C60"/>
                 </a:solidFill>
               </a:rPr>
-              <a:t>I work better when using an organized list</a:t>
+              <a:t>on the project, I learned that as an individual, I don’t have to have everything figured out. Almost every project consists of multiple parts or stages and figuring it out in a team more than individually is more effective and, for sure, more fun.</a:t>
             </a:r>
           </a:p>
           <a:p>
-            <a:br>
-              <a:rPr lang="en-US" sz="1400" b="1" dirty="0">
-                <a:solidFill>
-                  <a:srgbClr val="245C60"/>
-                </a:solidFill>
-              </a:rPr>
-            </a:br>
+            <a:endParaRPr lang="en-US" sz="1400" b="1" dirty="0">
+              <a:solidFill>
+                <a:srgbClr val="245C60"/>
+              </a:solidFill>
+            </a:endParaRPr>
+          </a:p>
+          <a:p>
             <a:r>
               <a:rPr lang="en-US" sz="1400" b="1" dirty="0">
                 <a:solidFill>
@@ -17284,24 +17287,24 @@
                   <a:srgbClr val="245C60"/>
                 </a:solidFill>
               </a:rPr>
-              <a:t>Perfected the ability to work in an agile workflow, (re)learned programming languages including markdown, and developed the ability to break down tasks into smart "stories" for better workflow. </a:t>
+              <a:t>I learned more about the backend of web development and how databases can be utilized in web applications.</a:t>
             </a:r>
           </a:p>
           <a:p>
-            <a:br>
-              <a:rPr lang="en-US" sz="1400" b="1" dirty="0">
-                <a:solidFill>
-                  <a:srgbClr val="245C60"/>
-                </a:solidFill>
-              </a:rPr>
-            </a:br>
+            <a:endParaRPr lang="en-US" sz="1400" b="1" dirty="0">
+              <a:solidFill>
+                <a:srgbClr val="245C60"/>
+              </a:solidFill>
+            </a:endParaRPr>
+          </a:p>
+          <a:p>
             <a:r>
               <a:rPr lang="en-US" sz="1400" b="1" dirty="0">
                 <a:solidFill>
                   <a:srgbClr val="245C60"/>
                 </a:solidFill>
               </a:rPr>
-              <a:t>What did you learn about the team?</a:t>
+              <a:t>What you would do differently in your next project/team?</a:t>
             </a:r>
           </a:p>
           <a:p>
@@ -17311,7 +17314,7 @@
                   <a:srgbClr val="245C60"/>
                 </a:solidFill>
               </a:rPr>
-              <a:t>The team makes the project stronger even if you lack the programming background needed there is always a way to contribute. It's always a learning process. </a:t>
+              <a:t>If the project was online, I would try to meet personally and get to know the members at the beginning of the project.</a:t>
             </a:r>
           </a:p>
         </p:txBody>
@@ -17502,36 +17505,6 @@
           </a:p>
         </p:txBody>
       </p:sp>
-      <p:pic>
-        <p:nvPicPr>
-          <p:cNvPr id="18" name="Picture 17">
-            <a:extLst>
-              <a:ext uri="{FF2B5EF4-FFF2-40B4-BE49-F238E27FC236}">
-                <a16:creationId xmlns:a16="http://schemas.microsoft.com/office/drawing/2014/main" id="{6781F24B-A6BB-45E7-86F0-7D5212E0EECA}"/>
-              </a:ext>
-            </a:extLst>
-          </p:cNvPr>
-          <p:cNvPicPr>
-            <a:picLocks noChangeAspect="1"/>
-          </p:cNvPicPr>
-          <p:nvPr/>
-        </p:nvPicPr>
-        <p:blipFill>
-          <a:blip r:embed="rId5"/>
-          <a:stretch>
-            <a:fillRect/>
-          </a:stretch>
-        </p:blipFill>
-        <p:spPr>
-          <a:xfrm>
-            <a:off x="2831728" y="319468"/>
-            <a:ext cx="4499238" cy="2816596"/>
-          </a:xfrm>
-          <a:prstGeom prst="rect">
-            <a:avLst/>
-          </a:prstGeom>
-        </p:spPr>
-      </p:pic>
     </p:spTree>
     <p:extLst>
       <p:ext uri="{BB962C8B-B14F-4D97-AF65-F5344CB8AC3E}">
@@ -24196,6 +24169,60 @@
       </p:sp>
       <p:sp>
         <p:nvSpPr>
+          <p:cNvPr id="18" name="Rectangle 17">
+            <a:extLst>
+              <a:ext uri="{FF2B5EF4-FFF2-40B4-BE49-F238E27FC236}">
+                <a16:creationId xmlns:a16="http://schemas.microsoft.com/office/drawing/2014/main" id="{C69BAE0C-FB56-4A50-96C5-482C5F46F9CD}"/>
+              </a:ext>
+            </a:extLst>
+          </p:cNvPr>
+          <p:cNvSpPr/>
+          <p:nvPr/>
+        </p:nvSpPr>
+        <p:spPr>
+          <a:xfrm>
+            <a:off x="3759201" y="229058"/>
+            <a:ext cx="4485428" cy="2802009"/>
+          </a:xfrm>
+          <a:prstGeom prst="rect">
+            <a:avLst/>
+          </a:prstGeom>
+          <a:solidFill>
+            <a:schemeClr val="tx1"/>
+          </a:solidFill>
+          <a:ln>
+            <a:solidFill>
+              <a:schemeClr val="tx1"/>
+            </a:solidFill>
+          </a:ln>
+        </p:spPr>
+        <p:style>
+          <a:lnRef idx="2">
+            <a:schemeClr val="accent1">
+              <a:shade val="50000"/>
+            </a:schemeClr>
+          </a:lnRef>
+          <a:fillRef idx="1">
+            <a:schemeClr val="accent1"/>
+          </a:fillRef>
+          <a:effectRef idx="0">
+            <a:schemeClr val="accent1"/>
+          </a:effectRef>
+          <a:fontRef idx="minor">
+            <a:schemeClr val="lt1"/>
+          </a:fontRef>
+        </p:style>
+        <p:txBody>
+          <a:bodyPr rtlCol="0" anchor="ctr"/>
+          <a:lstStyle/>
+          <a:p>
+            <a:pPr algn="ctr"/>
+            <a:endParaRPr lang="en-US"/>
+          </a:p>
+        </p:txBody>
+      </p:sp>
+      <p:sp>
+        <p:nvSpPr>
           <p:cNvPr id="12" name="Rectangle 11">
             <a:extLst>
               <a:ext uri="{FF2B5EF4-FFF2-40B4-BE49-F238E27FC236}">
@@ -24317,6 +24344,276 @@
                 </a:solidFill>
               </a:rPr>
               <a:t>Angie</a:t>
+            </a:r>
+          </a:p>
+        </p:txBody>
+      </p:sp>
+      <p:sp>
+        <p:nvSpPr>
+          <p:cNvPr id="4" name="Content Placeholder 2">
+            <a:extLst>
+              <a:ext uri="{FF2B5EF4-FFF2-40B4-BE49-F238E27FC236}">
+                <a16:creationId xmlns:a16="http://schemas.microsoft.com/office/drawing/2014/main" id="{99FB551B-9E15-4C55-A287-241E59330C8F}"/>
+              </a:ext>
+            </a:extLst>
+          </p:cNvPr>
+          <p:cNvSpPr txBox="1">
+            <a:spLocks/>
+          </p:cNvSpPr>
+          <p:nvPr/>
+        </p:nvSpPr>
+        <p:spPr>
+          <a:xfrm>
+            <a:off x="5614045" y="479775"/>
+            <a:ext cx="1174667" cy="590489"/>
+          </a:xfrm>
+          <a:prstGeom prst="rect">
+            <a:avLst/>
+          </a:prstGeom>
+        </p:spPr>
+        <p:txBody>
+          <a:bodyPr vert="horz" lIns="91440" tIns="45720" rIns="91440" bIns="45720" rtlCol="0">
+            <a:normAutofit/>
+          </a:bodyPr>
+          <a:lstStyle>
+            <a:lvl1pPr marL="342900" indent="-342900" algn="l" defTabSz="457200" rtl="0" eaLnBrk="1" latinLnBrk="0" hangingPunct="1">
+              <a:spcBef>
+                <a:spcPts val="1000"/>
+              </a:spcBef>
+              <a:spcAft>
+                <a:spcPts val="0"/>
+              </a:spcAft>
+              <a:buClr>
+                <a:schemeClr val="bg2">
+                  <a:lumMod val="40000"/>
+                  <a:lumOff val="60000"/>
+                </a:schemeClr>
+              </a:buClr>
+              <a:buSzPct val="80000"/>
+              <a:buFont typeface="Wingdings 3" charset="2"/>
+              <a:buChar char=""/>
+              <a:defRPr sz="2000" b="0" i="0" kern="1200">
+                <a:solidFill>
+                  <a:schemeClr val="tx1"/>
+                </a:solidFill>
+                <a:latin typeface="+mj-lt"/>
+                <a:ea typeface="+mj-ea"/>
+                <a:cs typeface="+mj-cs"/>
+              </a:defRPr>
+            </a:lvl1pPr>
+            <a:lvl2pPr marL="742950" indent="-285750" algn="l" defTabSz="457200" rtl="0" eaLnBrk="1" latinLnBrk="0" hangingPunct="1">
+              <a:spcBef>
+                <a:spcPts val="1000"/>
+              </a:spcBef>
+              <a:spcAft>
+                <a:spcPts val="0"/>
+              </a:spcAft>
+              <a:buClr>
+                <a:schemeClr val="bg2">
+                  <a:lumMod val="40000"/>
+                  <a:lumOff val="60000"/>
+                </a:schemeClr>
+              </a:buClr>
+              <a:buSzPct val="80000"/>
+              <a:buFont typeface="Wingdings 3" charset="2"/>
+              <a:buChar char=""/>
+              <a:defRPr sz="1800" b="0" i="0" kern="1200">
+                <a:solidFill>
+                  <a:schemeClr val="tx1"/>
+                </a:solidFill>
+                <a:latin typeface="+mj-lt"/>
+                <a:ea typeface="+mj-ea"/>
+                <a:cs typeface="+mj-cs"/>
+              </a:defRPr>
+            </a:lvl2pPr>
+            <a:lvl3pPr marL="1143000" indent="-228600" algn="l" defTabSz="457200" rtl="0" eaLnBrk="1" latinLnBrk="0" hangingPunct="1">
+              <a:spcBef>
+                <a:spcPts val="1000"/>
+              </a:spcBef>
+              <a:spcAft>
+                <a:spcPts val="0"/>
+              </a:spcAft>
+              <a:buClr>
+                <a:schemeClr val="bg2">
+                  <a:lumMod val="40000"/>
+                  <a:lumOff val="60000"/>
+                </a:schemeClr>
+              </a:buClr>
+              <a:buSzPct val="80000"/>
+              <a:buFont typeface="Wingdings 3" charset="2"/>
+              <a:buChar char=""/>
+              <a:defRPr sz="1600" b="0" i="0" kern="1200">
+                <a:solidFill>
+                  <a:schemeClr val="tx1"/>
+                </a:solidFill>
+                <a:latin typeface="+mj-lt"/>
+                <a:ea typeface="+mj-ea"/>
+                <a:cs typeface="+mj-cs"/>
+              </a:defRPr>
+            </a:lvl3pPr>
+            <a:lvl4pPr marL="1600200" indent="-228600" algn="l" defTabSz="457200" rtl="0" eaLnBrk="1" latinLnBrk="0" hangingPunct="1">
+              <a:spcBef>
+                <a:spcPts val="1000"/>
+              </a:spcBef>
+              <a:spcAft>
+                <a:spcPts val="0"/>
+              </a:spcAft>
+              <a:buClr>
+                <a:schemeClr val="bg2">
+                  <a:lumMod val="40000"/>
+                  <a:lumOff val="60000"/>
+                </a:schemeClr>
+              </a:buClr>
+              <a:buSzPct val="80000"/>
+              <a:buFont typeface="Wingdings 3" charset="2"/>
+              <a:buChar char=""/>
+              <a:defRPr sz="1400" b="0" i="0" kern="1200">
+                <a:solidFill>
+                  <a:schemeClr val="tx1"/>
+                </a:solidFill>
+                <a:latin typeface="+mj-lt"/>
+                <a:ea typeface="+mj-ea"/>
+                <a:cs typeface="+mj-cs"/>
+              </a:defRPr>
+            </a:lvl4pPr>
+            <a:lvl5pPr marL="2057400" indent="-228600" algn="l" defTabSz="457200" rtl="0" eaLnBrk="1" latinLnBrk="0" hangingPunct="1">
+              <a:spcBef>
+                <a:spcPts val="1000"/>
+              </a:spcBef>
+              <a:spcAft>
+                <a:spcPts val="0"/>
+              </a:spcAft>
+              <a:buClr>
+                <a:schemeClr val="bg2">
+                  <a:lumMod val="40000"/>
+                  <a:lumOff val="60000"/>
+                </a:schemeClr>
+              </a:buClr>
+              <a:buSzPct val="80000"/>
+              <a:buFont typeface="Wingdings 3" charset="2"/>
+              <a:buChar char=""/>
+              <a:defRPr sz="1400" b="0" i="0" kern="1200">
+                <a:solidFill>
+                  <a:schemeClr val="tx1"/>
+                </a:solidFill>
+                <a:latin typeface="+mj-lt"/>
+                <a:ea typeface="+mj-ea"/>
+                <a:cs typeface="+mj-cs"/>
+              </a:defRPr>
+            </a:lvl5pPr>
+            <a:lvl6pPr marL="2506000" indent="-228600" algn="l" defTabSz="457200" rtl="0" eaLnBrk="1" latinLnBrk="0" hangingPunct="1">
+              <a:spcBef>
+                <a:spcPts val="1000"/>
+              </a:spcBef>
+              <a:spcAft>
+                <a:spcPts val="0"/>
+              </a:spcAft>
+              <a:buClr>
+                <a:schemeClr val="bg2">
+                  <a:lumMod val="40000"/>
+                  <a:lumOff val="60000"/>
+                </a:schemeClr>
+              </a:buClr>
+              <a:buSzPct val="80000"/>
+              <a:buFont typeface="Wingdings 3" charset="2"/>
+              <a:buChar char=""/>
+              <a:defRPr sz="1400" b="0" i="0" kern="1200">
+                <a:solidFill>
+                  <a:schemeClr val="tx1"/>
+                </a:solidFill>
+                <a:latin typeface="+mj-lt"/>
+                <a:ea typeface="+mj-ea"/>
+                <a:cs typeface="+mj-cs"/>
+              </a:defRPr>
+            </a:lvl6pPr>
+            <a:lvl7pPr marL="2971800" indent="-228600" algn="l" defTabSz="457200" rtl="0" eaLnBrk="1" latinLnBrk="0" hangingPunct="1">
+              <a:spcBef>
+                <a:spcPts val="1000"/>
+              </a:spcBef>
+              <a:spcAft>
+                <a:spcPts val="0"/>
+              </a:spcAft>
+              <a:buClr>
+                <a:schemeClr val="bg2">
+                  <a:lumMod val="40000"/>
+                  <a:lumOff val="60000"/>
+                </a:schemeClr>
+              </a:buClr>
+              <a:buSzPct val="80000"/>
+              <a:buFont typeface="Wingdings 3" charset="2"/>
+              <a:buChar char=""/>
+              <a:defRPr sz="1400" b="0" i="0" kern="1200">
+                <a:solidFill>
+                  <a:schemeClr val="tx1"/>
+                </a:solidFill>
+                <a:latin typeface="+mj-lt"/>
+                <a:ea typeface="+mj-ea"/>
+                <a:cs typeface="+mj-cs"/>
+              </a:defRPr>
+            </a:lvl7pPr>
+            <a:lvl8pPr marL="3429000" indent="-228600" algn="l" defTabSz="457200" rtl="0" eaLnBrk="1" latinLnBrk="0" hangingPunct="1">
+              <a:spcBef>
+                <a:spcPts val="1000"/>
+              </a:spcBef>
+              <a:spcAft>
+                <a:spcPts val="0"/>
+              </a:spcAft>
+              <a:buClr>
+                <a:schemeClr val="bg2">
+                  <a:lumMod val="40000"/>
+                  <a:lumOff val="60000"/>
+                </a:schemeClr>
+              </a:buClr>
+              <a:buSzPct val="80000"/>
+              <a:buFont typeface="Wingdings 3" charset="2"/>
+              <a:buChar char=""/>
+              <a:defRPr sz="1400" b="0" i="0" kern="1200">
+                <a:solidFill>
+                  <a:schemeClr val="tx1"/>
+                </a:solidFill>
+                <a:latin typeface="+mj-lt"/>
+                <a:ea typeface="+mj-ea"/>
+                <a:cs typeface="+mj-cs"/>
+              </a:defRPr>
+            </a:lvl8pPr>
+            <a:lvl9pPr marL="3886200" indent="-228600" algn="l" defTabSz="457200" rtl="0" eaLnBrk="1" latinLnBrk="0" hangingPunct="1">
+              <a:spcBef>
+                <a:spcPts val="1000"/>
+              </a:spcBef>
+              <a:spcAft>
+                <a:spcPts val="0"/>
+              </a:spcAft>
+              <a:buClr>
+                <a:schemeClr val="bg2">
+                  <a:lumMod val="40000"/>
+                  <a:lumOff val="60000"/>
+                </a:schemeClr>
+              </a:buClr>
+              <a:buSzPct val="80000"/>
+              <a:buFont typeface="Wingdings 3" charset="2"/>
+              <a:buChar char=""/>
+              <a:defRPr sz="1400" b="0" i="0" kern="1200">
+                <a:solidFill>
+                  <a:schemeClr val="tx1"/>
+                </a:solidFill>
+                <a:latin typeface="+mj-lt"/>
+                <a:ea typeface="+mj-ea"/>
+                <a:cs typeface="+mj-cs"/>
+              </a:defRPr>
+            </a:lvl9pPr>
+          </a:lstStyle>
+          <a:p>
+            <a:pPr marL="0" indent="0">
+              <a:buFont typeface="Wingdings 3" charset="2"/>
+              <a:buNone/>
+            </a:pPr>
+            <a:r>
+              <a:rPr lang="en-US" b="1" dirty="0">
+                <a:solidFill>
+                  <a:srgbClr val="245C60"/>
+                </a:solidFill>
+              </a:rPr>
+              <a:t>Hannah</a:t>
             </a:r>
           </a:p>
         </p:txBody>
@@ -24623,6 +24920,36 @@
       </p:pic>
       <p:pic>
         <p:nvPicPr>
+          <p:cNvPr id="11" name="Picture 10">
+            <a:extLst>
+              <a:ext uri="{FF2B5EF4-FFF2-40B4-BE49-F238E27FC236}">
+                <a16:creationId xmlns:a16="http://schemas.microsoft.com/office/drawing/2014/main" id="{4FECDA78-7830-4BAD-A8EF-98AE3446FFB8}"/>
+              </a:ext>
+            </a:extLst>
+          </p:cNvPr>
+          <p:cNvPicPr>
+            <a:picLocks noChangeAspect="1"/>
+          </p:cNvPicPr>
+          <p:nvPr/>
+        </p:nvPicPr>
+        <p:blipFill>
+          <a:blip r:embed="rId3"/>
+          <a:stretch>
+            <a:fillRect/>
+          </a:stretch>
+        </p:blipFill>
+        <p:spPr>
+          <a:xfrm>
+            <a:off x="3896482" y="356058"/>
+            <a:ext cx="1587598" cy="1587598"/>
+          </a:xfrm>
+          <a:prstGeom prst="rect">
+            <a:avLst/>
+          </a:prstGeom>
+        </p:spPr>
+      </p:pic>
+      <p:pic>
+        <p:nvPicPr>
           <p:cNvPr id="10" name="Picture 9" descr="A picture containing person, outdoor, person&#10;&#10;Description generated with very high confidence">
             <a:extLst>
               <a:ext uri="{FF2B5EF4-FFF2-40B4-BE49-F238E27FC236}">
@@ -24636,7 +24963,7 @@
           <p:nvPr/>
         </p:nvPicPr>
         <p:blipFill>
-          <a:blip r:embed="rId3"/>
+          <a:blip r:embed="rId4"/>
           <a:stretch>
             <a:fillRect/>
           </a:stretch>
@@ -24766,6 +25093,67 @@
       </p:sp>
       <p:sp>
         <p:nvSpPr>
+          <p:cNvPr id="17" name="TextBox 16">
+            <a:extLst>
+              <a:ext uri="{FF2B5EF4-FFF2-40B4-BE49-F238E27FC236}">
+                <a16:creationId xmlns:a16="http://schemas.microsoft.com/office/drawing/2014/main" id="{2AEC13AC-1BB2-490C-AB8C-1D2ED1DDB81A}"/>
+              </a:ext>
+            </a:extLst>
+          </p:cNvPr>
+          <p:cNvSpPr txBox="1"/>
+          <p:nvPr/>
+        </p:nvSpPr>
+        <p:spPr>
+          <a:xfrm>
+            <a:off x="5619790" y="927993"/>
+            <a:ext cx="2384061" cy="1600438"/>
+          </a:xfrm>
+          <a:prstGeom prst="rect">
+            <a:avLst/>
+          </a:prstGeom>
+          <a:noFill/>
+        </p:spPr>
+        <p:txBody>
+          <a:bodyPr wrap="square" rtlCol="0">
+            <a:spAutoFit/>
+          </a:bodyPr>
+          <a:lstStyle/>
+          <a:p>
+            <a:r>
+              <a:rPr lang="en-US" sz="1400" b="1" dirty="0">
+                <a:solidFill>
+                  <a:srgbClr val="245C60"/>
+                </a:solidFill>
+              </a:rPr>
+              <a:t>What did you learn?</a:t>
+            </a:r>
+          </a:p>
+          <a:p>
+            <a:r>
+              <a:rPr lang="en-US" sz="1400" b="1" dirty="0">
+                <a:solidFill>
+                  <a:srgbClr val="245C60"/>
+                </a:solidFill>
+              </a:rPr>
+              <a:t>You can accomplish amazing things when your team has a growth mindset and keeps things simple!</a:t>
+            </a:r>
+            <a:br>
+              <a:rPr lang="en-US" sz="1400" b="1" dirty="0">
+                <a:solidFill>
+                  <a:srgbClr val="245C60"/>
+                </a:solidFill>
+              </a:rPr>
+            </a:br>
+            <a:endParaRPr lang="en-US" sz="1400" b="1" dirty="0">
+              <a:solidFill>
+                <a:srgbClr val="245C60"/>
+              </a:solidFill>
+            </a:endParaRPr>
+          </a:p>
+        </p:txBody>
+      </p:sp>
+      <p:sp>
+        <p:nvSpPr>
           <p:cNvPr id="20" name="TextBox 19">
             <a:extLst>
               <a:ext uri="{FF2B5EF4-FFF2-40B4-BE49-F238E27FC236}">
@@ -24870,6 +25258,55 @@
                 </a:solidFill>
               </a:rPr>
               <a:t> tasks more granular, so that individual tasks are completed on time and tracked, instead of broad tasks with more parts taking longer to move through the development cycle.</a:t>
+            </a:r>
+          </a:p>
+        </p:txBody>
+      </p:sp>
+      <p:sp>
+        <p:nvSpPr>
+          <p:cNvPr id="26" name="TextBox 25">
+            <a:extLst>
+              <a:ext uri="{FF2B5EF4-FFF2-40B4-BE49-F238E27FC236}">
+                <a16:creationId xmlns:a16="http://schemas.microsoft.com/office/drawing/2014/main" id="{EC70A7DD-34EE-4C6A-9AE1-CF48140FE79D}"/>
+              </a:ext>
+            </a:extLst>
+          </p:cNvPr>
+          <p:cNvSpPr txBox="1"/>
+          <p:nvPr/>
+        </p:nvSpPr>
+        <p:spPr>
+          <a:xfrm>
+            <a:off x="3896482" y="2021504"/>
+            <a:ext cx="1587598" cy="646331"/>
+          </a:xfrm>
+          <a:prstGeom prst="rect">
+            <a:avLst/>
+          </a:prstGeom>
+          <a:noFill/>
+        </p:spPr>
+        <p:txBody>
+          <a:bodyPr wrap="square" rtlCol="0">
+            <a:spAutoFit/>
+          </a:bodyPr>
+          <a:lstStyle/>
+          <a:p>
+            <a:r>
+              <a:rPr lang="en-US" dirty="0">
+                <a:solidFill>
+                  <a:srgbClr val="245C60"/>
+                </a:solidFill>
+              </a:rPr>
+              <a:t>Backend</a:t>
+            </a:r>
+          </a:p>
+          <a:p>
+            <a:r>
+              <a:rPr lang="en-US" dirty="0">
+                <a:solidFill>
+                  <a:srgbClr val="245C60"/>
+                </a:solidFill>
+              </a:rPr>
+              <a:t>APIs</a:t>
             </a:r>
           </a:p>
         </p:txBody>
